--- a/docs/FunctionalRequirements.pptx
+++ b/docs/FunctionalRequirements.pptx
@@ -9953,8 +9953,8 @@
         </p:nvSpPr>
         <p:spPr>
           <a:xfrm>
-            <a:off x="2099523" y="1661398"/>
-            <a:ext cx="1313513" cy="338554"/>
+            <a:off x="2078358" y="1661398"/>
+            <a:ext cx="1481877" cy="338554"/>
           </a:xfrm>
           <a:prstGeom prst="rect">
             <a:avLst/>
@@ -9973,7 +9973,7 @@
                 <a:latin typeface="Times New Roman" panose="02020603050405020304" pitchFamily="18" charset="0"/>
                 <a:cs typeface="Times New Roman" panose="02020603050405020304" pitchFamily="18" charset="0"/>
               </a:rPr>
-              <a:t>FEATURES</a:t>
+              <a:t>MILESTONE</a:t>
             </a:r>
           </a:p>
         </p:txBody>
@@ -10046,7 +10046,7 @@
         </p:nvSpPr>
         <p:spPr>
           <a:xfrm>
-            <a:off x="2112069" y="1028626"/>
+            <a:off x="2171333" y="1028626"/>
             <a:ext cx="1295997" cy="338554"/>
           </a:xfrm>
           <a:prstGeom prst="rect">
@@ -10095,8 +10095,8 @@
         </p:nvCxnSpPr>
         <p:spPr>
           <a:xfrm flipV="1">
-            <a:off x="2756280" y="1367180"/>
-            <a:ext cx="3788" cy="294218"/>
+            <a:off x="2819297" y="1367180"/>
+            <a:ext cx="35" cy="294218"/>
           </a:xfrm>
           <a:prstGeom prst="straightConnector1">
             <a:avLst/>
@@ -10152,10 +10152,10 @@
       </p:grpSpPr>
       <p:pic>
         <p:nvPicPr>
-          <p:cNvPr id="2" name="Imagem 1">
+          <p:cNvPr id="3" name="Imagem 2">
             <a:extLst>
               <a:ext uri="{FF2B5EF4-FFF2-40B4-BE49-F238E27FC236}">
-                <a16:creationId xmlns:a16="http://schemas.microsoft.com/office/drawing/2014/main" id="{DC2EB45F-5EBC-81BB-BC41-0BC5D401EE4B}"/>
+                <a16:creationId xmlns:a16="http://schemas.microsoft.com/office/drawing/2014/main" id="{F8622EB8-B660-9BBC-ED45-1BEEF5FA8820}"/>
               </a:ext>
             </a:extLst>
           </p:cNvPr>

--- a/docs/FunctionalRequirements.pptx
+++ b/docs/FunctionalRequirements.pptx
@@ -1344,7 +1344,7 @@
         <a:p>
           <a:r>
             <a:rPr lang="pt-BR" dirty="0" err="1"/>
-            <a:t>Story</a:t>
+            <a:t>Description</a:t>
           </a:r>
           <a:endParaRPr lang="pt-BR" dirty="0"/>
         </a:p>
@@ -1700,8 +1700,8 @@
       </dsp:nvSpPr>
       <dsp:spPr>
         <a:xfrm>
-          <a:off x="1777" y="1625600"/>
-          <a:ext cx="1550673" cy="2167466"/>
+          <a:off x="984" y="1625600"/>
+          <a:ext cx="1550990" cy="2167466"/>
         </a:xfrm>
         <a:prstGeom prst="roundRect">
           <a:avLst/>
@@ -1762,14 +1762,14 @@
           </a:pPr>
           <a:r>
             <a:rPr lang="pt-BR" sz="1900" kern="1200" dirty="0" err="1"/>
-            <a:t>Story</a:t>
+            <a:t>Description</a:t>
           </a:r>
           <a:endParaRPr lang="pt-BR" sz="1900" kern="1200" dirty="0"/>
         </a:p>
       </dsp:txBody>
       <dsp:txXfrm>
-        <a:off x="77475" y="1701298"/>
-        <a:ext cx="1399277" cy="2016070"/>
+        <a:off x="76697" y="1701313"/>
+        <a:ext cx="1399564" cy="2016040"/>
       </dsp:txXfrm>
     </dsp:sp>
     <dsp:sp modelId="{3D30EB4A-A64E-4245-94D9-E318DBB92110}">
@@ -1779,8 +1779,8 @@
       </dsp:nvSpPr>
       <dsp:spPr>
         <a:xfrm>
-          <a:off x="1645220" y="1625600"/>
-          <a:ext cx="1550673" cy="2167466"/>
+          <a:off x="1644744" y="1625600"/>
+          <a:ext cx="1550990" cy="2167466"/>
         </a:xfrm>
         <a:prstGeom prst="roundRect">
           <a:avLst/>
@@ -1846,8 +1846,8 @@
         </a:p>
       </dsp:txBody>
       <dsp:txXfrm>
-        <a:off x="1720918" y="1701298"/>
-        <a:ext cx="1399277" cy="2016070"/>
+        <a:off x="1720457" y="1701313"/>
+        <a:ext cx="1399564" cy="2016040"/>
       </dsp:txXfrm>
     </dsp:sp>
     <dsp:sp modelId="{4CCE8813-E49F-426C-8894-05DFE5637F0F}">
@@ -1857,8 +1857,8 @@
       </dsp:nvSpPr>
       <dsp:spPr>
         <a:xfrm>
-          <a:off x="3288663" y="1625600"/>
-          <a:ext cx="1550673" cy="2167466"/>
+          <a:off x="3288504" y="1625600"/>
+          <a:ext cx="1550990" cy="2167466"/>
         </a:xfrm>
         <a:prstGeom prst="roundRect">
           <a:avLst/>
@@ -1936,8 +1936,8 @@
         </a:p>
       </dsp:txBody>
       <dsp:txXfrm>
-        <a:off x="3364361" y="1701298"/>
-        <a:ext cx="1399277" cy="2016070"/>
+        <a:off x="3364217" y="1701313"/>
+        <a:ext cx="1399564" cy="2016040"/>
       </dsp:txXfrm>
     </dsp:sp>
     <dsp:sp modelId="{1799591E-D842-4C73-AA1F-50F55AAE8B8C}">
@@ -1947,8 +1947,8 @@
       </dsp:nvSpPr>
       <dsp:spPr>
         <a:xfrm>
-          <a:off x="4932106" y="1625600"/>
-          <a:ext cx="1550673" cy="2167466"/>
+          <a:off x="4932264" y="1625600"/>
+          <a:ext cx="1550990" cy="2167466"/>
         </a:xfrm>
         <a:prstGeom prst="roundRect">
           <a:avLst/>
@@ -2019,8 +2019,8 @@
         </a:p>
       </dsp:txBody>
       <dsp:txXfrm>
-        <a:off x="5007804" y="1701298"/>
-        <a:ext cx="1399277" cy="2016070"/>
+        <a:off x="5007977" y="1701313"/>
+        <a:ext cx="1399564" cy="2016040"/>
       </dsp:txXfrm>
     </dsp:sp>
     <dsp:sp modelId="{84D71C06-1897-4728-BDB3-CB9F83A3574E}">
@@ -2030,8 +2030,8 @@
       </dsp:nvSpPr>
       <dsp:spPr>
         <a:xfrm>
-          <a:off x="6575549" y="1625600"/>
-          <a:ext cx="1550673" cy="2167466"/>
+          <a:off x="6576024" y="1625600"/>
+          <a:ext cx="1550990" cy="2167466"/>
         </a:xfrm>
         <a:prstGeom prst="roundRect">
           <a:avLst/>
@@ -2101,8 +2101,8 @@
         </a:p>
       </dsp:txBody>
       <dsp:txXfrm>
-        <a:off x="6651247" y="1701298"/>
-        <a:ext cx="1399277" cy="2016070"/>
+        <a:off x="6651737" y="1701313"/>
+        <a:ext cx="1399564" cy="2016040"/>
       </dsp:txXfrm>
     </dsp:sp>
   </dsp:spTree>
@@ -3444,7 +3444,7 @@
           <a:p>
             <a:fld id="{077D152E-87CF-46B2-B789-151B8AAC1DA0}" type="datetimeFigureOut">
               <a:rPr lang="pt-BR" smtClean="0"/>
-              <a:t>13/01/2024</a:t>
+              <a:t>16/01/2024</a:t>
             </a:fld>
             <a:endParaRPr lang="pt-BR"/>
           </a:p>
@@ -3642,7 +3642,7 @@
           <a:p>
             <a:fld id="{077D152E-87CF-46B2-B789-151B8AAC1DA0}" type="datetimeFigureOut">
               <a:rPr lang="pt-BR" smtClean="0"/>
-              <a:t>13/01/2024</a:t>
+              <a:t>16/01/2024</a:t>
             </a:fld>
             <a:endParaRPr lang="pt-BR"/>
           </a:p>
@@ -3850,7 +3850,7 @@
           <a:p>
             <a:fld id="{077D152E-87CF-46B2-B789-151B8AAC1DA0}" type="datetimeFigureOut">
               <a:rPr lang="pt-BR" smtClean="0"/>
-              <a:t>13/01/2024</a:t>
+              <a:t>16/01/2024</a:t>
             </a:fld>
             <a:endParaRPr lang="pt-BR"/>
           </a:p>
@@ -4048,7 +4048,7 @@
           <a:p>
             <a:fld id="{077D152E-87CF-46B2-B789-151B8AAC1DA0}" type="datetimeFigureOut">
               <a:rPr lang="pt-BR" smtClean="0"/>
-              <a:t>13/01/2024</a:t>
+              <a:t>16/01/2024</a:t>
             </a:fld>
             <a:endParaRPr lang="pt-BR"/>
           </a:p>
@@ -4323,7 +4323,7 @@
           <a:p>
             <a:fld id="{077D152E-87CF-46B2-B789-151B8AAC1DA0}" type="datetimeFigureOut">
               <a:rPr lang="pt-BR" smtClean="0"/>
-              <a:t>13/01/2024</a:t>
+              <a:t>16/01/2024</a:t>
             </a:fld>
             <a:endParaRPr lang="pt-BR"/>
           </a:p>
@@ -4588,7 +4588,7 @@
           <a:p>
             <a:fld id="{077D152E-87CF-46B2-B789-151B8AAC1DA0}" type="datetimeFigureOut">
               <a:rPr lang="pt-BR" smtClean="0"/>
-              <a:t>13/01/2024</a:t>
+              <a:t>16/01/2024</a:t>
             </a:fld>
             <a:endParaRPr lang="pt-BR"/>
           </a:p>
@@ -5000,7 +5000,7 @@
           <a:p>
             <a:fld id="{077D152E-87CF-46B2-B789-151B8AAC1DA0}" type="datetimeFigureOut">
               <a:rPr lang="pt-BR" smtClean="0"/>
-              <a:t>13/01/2024</a:t>
+              <a:t>16/01/2024</a:t>
             </a:fld>
             <a:endParaRPr lang="pt-BR"/>
           </a:p>
@@ -5141,7 +5141,7 @@
           <a:p>
             <a:fld id="{077D152E-87CF-46B2-B789-151B8AAC1DA0}" type="datetimeFigureOut">
               <a:rPr lang="pt-BR" smtClean="0"/>
-              <a:t>13/01/2024</a:t>
+              <a:t>16/01/2024</a:t>
             </a:fld>
             <a:endParaRPr lang="pt-BR"/>
           </a:p>
@@ -5254,7 +5254,7 @@
           <a:p>
             <a:fld id="{077D152E-87CF-46B2-B789-151B8AAC1DA0}" type="datetimeFigureOut">
               <a:rPr lang="pt-BR" smtClean="0"/>
-              <a:t>13/01/2024</a:t>
+              <a:t>16/01/2024</a:t>
             </a:fld>
             <a:endParaRPr lang="pt-BR"/>
           </a:p>
@@ -5565,7 +5565,7 @@
           <a:p>
             <a:fld id="{077D152E-87CF-46B2-B789-151B8AAC1DA0}" type="datetimeFigureOut">
               <a:rPr lang="pt-BR" smtClean="0"/>
-              <a:t>13/01/2024</a:t>
+              <a:t>16/01/2024</a:t>
             </a:fld>
             <a:endParaRPr lang="pt-BR"/>
           </a:p>
@@ -5853,7 +5853,7 @@
           <a:p>
             <a:fld id="{077D152E-87CF-46B2-B789-151B8AAC1DA0}" type="datetimeFigureOut">
               <a:rPr lang="pt-BR" smtClean="0"/>
-              <a:t>13/01/2024</a:t>
+              <a:t>16/01/2024</a:t>
             </a:fld>
             <a:endParaRPr lang="pt-BR"/>
           </a:p>
@@ -6094,7 +6094,7 @@
           <a:p>
             <a:fld id="{077D152E-87CF-46B2-B789-151B8AAC1DA0}" type="datetimeFigureOut">
               <a:rPr lang="pt-BR" smtClean="0"/>
-              <a:t>13/01/2024</a:t>
+              <a:t>16/01/2024</a:t>
             </a:fld>
             <a:endParaRPr lang="pt-BR"/>
           </a:p>
@@ -9836,13 +9836,13 @@
           <p:nvPr>
             <p:extLst>
               <p:ext uri="{D42A27DB-BD31-4B8C-83A1-F6EECF244321}">
-                <p14:modId xmlns:p14="http://schemas.microsoft.com/office/powerpoint/2010/main" val="3280276869"/>
+                <p14:modId xmlns:p14="http://schemas.microsoft.com/office/powerpoint/2010/main" val="3293162996"/>
               </p:ext>
             </p:extLst>
           </p:nvPr>
         </p:nvGraphicFramePr>
         <p:xfrm>
-          <a:off x="2032000" y="963178"/>
+          <a:off x="3398655" y="963178"/>
           <a:ext cx="8128000" cy="5418667"/>
         </p:xfrm>
         <a:graphic>
@@ -9853,133 +9853,6 @@
       </p:graphicFrame>
       <p:sp>
         <p:nvSpPr>
-          <p:cNvPr id="5" name="CaixaDeTexto 4">
-            <a:extLst>
-              <a:ext uri="{FF2B5EF4-FFF2-40B4-BE49-F238E27FC236}">
-                <a16:creationId xmlns:a16="http://schemas.microsoft.com/office/drawing/2014/main" id="{B159367A-9F27-42AB-0A1D-0D1F67FA810E}"/>
-              </a:ext>
-            </a:extLst>
-          </p:cNvPr>
-          <p:cNvSpPr txBox="1"/>
-          <p:nvPr/>
-        </p:nvSpPr>
-        <p:spPr>
-          <a:xfrm>
-            <a:off x="1927632" y="421993"/>
-            <a:ext cx="4273826" cy="461665"/>
-          </a:xfrm>
-          <a:prstGeom prst="rect">
-            <a:avLst/>
-          </a:prstGeom>
-          <a:noFill/>
-        </p:spPr>
-        <p:txBody>
-          <a:bodyPr wrap="square" rtlCol="0">
-            <a:spAutoFit/>
-          </a:bodyPr>
-          <a:lstStyle/>
-          <a:p>
-            <a:r>
-              <a:rPr lang="pt-BR" sz="2400" b="1" dirty="0">
-                <a:latin typeface="Times New Roman" panose="02020603050405020304" pitchFamily="18" charset="0"/>
-                <a:cs typeface="Times New Roman" panose="02020603050405020304" pitchFamily="18" charset="0"/>
-              </a:rPr>
-              <a:t>Funcional </a:t>
-            </a:r>
-            <a:r>
-              <a:rPr lang="pt-BR" sz="2400" b="1" dirty="0" err="1">
-                <a:latin typeface="Times New Roman" panose="02020603050405020304" pitchFamily="18" charset="0"/>
-                <a:cs typeface="Times New Roman" panose="02020603050405020304" pitchFamily="18" charset="0"/>
-              </a:rPr>
-              <a:t>Requirement</a:t>
-            </a:r>
-            <a:endParaRPr lang="pt-BR" sz="2400" b="1" dirty="0">
-              <a:latin typeface="Times New Roman" panose="02020603050405020304" pitchFamily="18" charset="0"/>
-              <a:cs typeface="Times New Roman" panose="02020603050405020304" pitchFamily="18" charset="0"/>
-            </a:endParaRPr>
-          </a:p>
-        </p:txBody>
-      </p:sp>
-      <p:pic>
-        <p:nvPicPr>
-          <p:cNvPr id="7" name="Gráfico 6" descr="Abrir pasta com preenchimento sólido">
-            <a:extLst>
-              <a:ext uri="{FF2B5EF4-FFF2-40B4-BE49-F238E27FC236}">
-                <a16:creationId xmlns:a16="http://schemas.microsoft.com/office/drawing/2014/main" id="{A45D5B9D-A948-DC71-45EC-1CD3012997F7}"/>
-              </a:ext>
-            </a:extLst>
-          </p:cNvPr>
-          <p:cNvPicPr>
-            <a:picLocks noChangeAspect="1"/>
-          </p:cNvPicPr>
-          <p:nvPr/>
-        </p:nvPicPr>
-        <p:blipFill>
-          <a:blip r:embed="rId7">
-            <a:extLst>
-              <a:ext uri="{28A0092B-C50C-407E-A947-70E740481C1C}">
-                <a14:useLocalDpi xmlns:a14="http://schemas.microsoft.com/office/drawing/2010/main" val="0"/>
-              </a:ext>
-              <a:ext uri="{96DAC541-7B7A-43D3-8B79-37D633B846F1}">
-                <asvg:svgBlip xmlns:asvg="http://schemas.microsoft.com/office/drawing/2016/SVG/main" r:embed="rId8"/>
-              </a:ext>
-            </a:extLst>
-          </a:blip>
-          <a:stretch>
-            <a:fillRect/>
-          </a:stretch>
-        </p:blipFill>
-        <p:spPr>
-          <a:xfrm>
-            <a:off x="2425527" y="1799898"/>
-            <a:ext cx="914400" cy="914400"/>
-          </a:xfrm>
-          <a:prstGeom prst="rect">
-            <a:avLst/>
-          </a:prstGeom>
-        </p:spPr>
-      </p:pic>
-      <p:sp>
-        <p:nvSpPr>
-          <p:cNvPr id="10" name="CaixaDeTexto 9">
-            <a:extLst>
-              <a:ext uri="{FF2B5EF4-FFF2-40B4-BE49-F238E27FC236}">
-                <a16:creationId xmlns:a16="http://schemas.microsoft.com/office/drawing/2014/main" id="{88279E83-D457-03D8-0406-A3AA061A5740}"/>
-              </a:ext>
-            </a:extLst>
-          </p:cNvPr>
-          <p:cNvSpPr txBox="1"/>
-          <p:nvPr/>
-        </p:nvSpPr>
-        <p:spPr>
-          <a:xfrm>
-            <a:off x="2078358" y="1661398"/>
-            <a:ext cx="1481877" cy="338554"/>
-          </a:xfrm>
-          <a:prstGeom prst="rect">
-            <a:avLst/>
-          </a:prstGeom>
-          <a:noFill/>
-        </p:spPr>
-        <p:txBody>
-          <a:bodyPr wrap="square" rtlCol="0">
-            <a:spAutoFit/>
-          </a:bodyPr>
-          <a:lstStyle/>
-          <a:p>
-            <a:pPr algn="ctr"/>
-            <a:r>
-              <a:rPr lang="pt-BR" sz="1600" b="1" dirty="0">
-                <a:latin typeface="Times New Roman" panose="02020603050405020304" pitchFamily="18" charset="0"/>
-                <a:cs typeface="Times New Roman" panose="02020603050405020304" pitchFamily="18" charset="0"/>
-              </a:rPr>
-              <a:t>MILESTONE</a:t>
-            </a:r>
-          </a:p>
-        </p:txBody>
-      </p:sp>
-      <p:sp>
-        <p:nvSpPr>
           <p:cNvPr id="11" name="Retângulo 10">
             <a:extLst>
               <a:ext uri="{FF2B5EF4-FFF2-40B4-BE49-F238E27FC236}">
@@ -9992,7 +9865,7 @@
         </p:nvSpPr>
         <p:spPr>
           <a:xfrm>
-            <a:off x="2033253" y="963178"/>
+            <a:off x="3399908" y="963178"/>
             <a:ext cx="8091261" cy="5418667"/>
           </a:xfrm>
           <a:prstGeom prst="rect">
@@ -10034,10 +9907,10 @@
       </p:sp>
       <p:sp>
         <p:nvSpPr>
-          <p:cNvPr id="12" name="CaixaDeTexto 11">
+          <p:cNvPr id="31" name="CaixaDeTexto 30">
             <a:extLst>
               <a:ext uri="{FF2B5EF4-FFF2-40B4-BE49-F238E27FC236}">
-                <a16:creationId xmlns:a16="http://schemas.microsoft.com/office/drawing/2014/main" id="{6D04B1D3-D728-62C0-D229-7D6796E57B90}"/>
+                <a16:creationId xmlns:a16="http://schemas.microsoft.com/office/drawing/2014/main" id="{88279E83-D457-03D8-0406-A3AA061A5740}"/>
               </a:ext>
             </a:extLst>
           </p:cNvPr>
@@ -10046,7 +9919,321 @@
         </p:nvSpPr>
         <p:spPr>
           <a:xfrm>
-            <a:off x="2171333" y="1028626"/>
+            <a:off x="1073001" y="3741848"/>
+            <a:ext cx="1481877" cy="315776"/>
+          </a:xfrm>
+          <a:prstGeom prst="rect">
+            <a:avLst/>
+          </a:prstGeom>
+          <a:noFill/>
+        </p:spPr>
+        <p:txBody>
+          <a:bodyPr wrap="square" rtlCol="0">
+            <a:spAutoFit/>
+          </a:bodyPr>
+          <a:lstStyle/>
+          <a:p>
+            <a:pPr algn="ctr"/>
+            <a:r>
+              <a:rPr lang="pt-BR" sz="1600" b="1" dirty="0">
+                <a:latin typeface="Times New Roman" panose="02020603050405020304" pitchFamily="18" charset="0"/>
+                <a:cs typeface="Times New Roman" panose="02020603050405020304" pitchFamily="18" charset="0"/>
+              </a:rPr>
+              <a:t>MILESTONE</a:t>
+            </a:r>
+          </a:p>
+        </p:txBody>
+      </p:sp>
+      <p:sp>
+        <p:nvSpPr>
+          <p:cNvPr id="32" name="CaixaDeTexto 31">
+            <a:extLst>
+              <a:ext uri="{FF2B5EF4-FFF2-40B4-BE49-F238E27FC236}">
+                <a16:creationId xmlns:a16="http://schemas.microsoft.com/office/drawing/2014/main" id="{6D04B1D3-D728-62C0-D229-7D6796E57B90}"/>
+              </a:ext>
+            </a:extLst>
+          </p:cNvPr>
+          <p:cNvSpPr txBox="1"/>
+          <p:nvPr/>
+        </p:nvSpPr>
+        <p:spPr>
+          <a:xfrm>
+            <a:off x="1205547" y="2344757"/>
+            <a:ext cx="1295997" cy="506543"/>
+          </a:xfrm>
+          <a:prstGeom prst="rect">
+            <a:avLst/>
+          </a:prstGeom>
+          <a:noFill/>
+        </p:spPr>
+        <p:txBody>
+          <a:bodyPr wrap="square" rtlCol="0">
+            <a:spAutoFit/>
+          </a:bodyPr>
+          <a:lstStyle>
+            <a:defPPr>
+              <a:defRPr lang="pt-BR"/>
+            </a:defPPr>
+            <a:lvl1pPr algn="ctr">
+              <a:defRPr sz="1600" b="1">
+                <a:latin typeface="Times New Roman" panose="02020603050405020304" pitchFamily="18" charset="0"/>
+                <a:cs typeface="Times New Roman" panose="02020603050405020304" pitchFamily="18" charset="0"/>
+              </a:defRPr>
+            </a:lvl1pPr>
+          </a:lstStyle>
+          <a:p>
+            <a:r>
+              <a:rPr lang="pt-BR" dirty="0"/>
+              <a:t>FEATURE </a:t>
+            </a:r>
+            <a:r>
+              <a:rPr lang="pt-BR" sz="1400" dirty="0"/>
+              <a:t>(Branch)</a:t>
+            </a:r>
+          </a:p>
+        </p:txBody>
+      </p:sp>
+      <p:cxnSp>
+        <p:nvCxnSpPr>
+          <p:cNvPr id="35" name="Conector de Seta Reta 34">
+            <a:extLst>
+              <a:ext uri="{FF2B5EF4-FFF2-40B4-BE49-F238E27FC236}">
+                <a16:creationId xmlns:a16="http://schemas.microsoft.com/office/drawing/2014/main" id="{48C011D9-19A6-F479-4BEE-36B6AFF8D821}"/>
+              </a:ext>
+            </a:extLst>
+          </p:cNvPr>
+          <p:cNvCxnSpPr>
+            <a:cxnSpLocks/>
+          </p:cNvCxnSpPr>
+          <p:nvPr/>
+        </p:nvCxnSpPr>
+        <p:spPr>
+          <a:xfrm flipH="1">
+            <a:off x="1862867" y="2028608"/>
+            <a:ext cx="2" cy="340346"/>
+          </a:xfrm>
+          <a:prstGeom prst="straightConnector1">
+            <a:avLst/>
+          </a:prstGeom>
+          <a:ln w="38100">
+            <a:tailEnd type="triangle"/>
+          </a:ln>
+        </p:spPr>
+        <p:style>
+          <a:lnRef idx="1">
+            <a:schemeClr val="accent1"/>
+          </a:lnRef>
+          <a:fillRef idx="0">
+            <a:schemeClr val="accent1"/>
+          </a:fillRef>
+          <a:effectRef idx="0">
+            <a:schemeClr val="accent1"/>
+          </a:effectRef>
+          <a:fontRef idx="minor">
+            <a:schemeClr val="tx1"/>
+          </a:fontRef>
+        </p:style>
+      </p:cxnSp>
+      <p:sp>
+        <p:nvSpPr>
+          <p:cNvPr id="37" name="CaixaDeTexto 36">
+            <a:extLst>
+              <a:ext uri="{FF2B5EF4-FFF2-40B4-BE49-F238E27FC236}">
+                <a16:creationId xmlns:a16="http://schemas.microsoft.com/office/drawing/2014/main" id="{A3881F25-ED3E-209A-9A13-0948EE2ECE57}"/>
+              </a:ext>
+            </a:extLst>
+          </p:cNvPr>
+          <p:cNvSpPr txBox="1"/>
+          <p:nvPr/>
+        </p:nvSpPr>
+        <p:spPr>
+          <a:xfrm>
+            <a:off x="618308" y="1469902"/>
+            <a:ext cx="2613583" cy="553998"/>
+          </a:xfrm>
+          <a:prstGeom prst="rect">
+            <a:avLst/>
+          </a:prstGeom>
+          <a:noFill/>
+        </p:spPr>
+        <p:txBody>
+          <a:bodyPr wrap="square" rtlCol="0">
+            <a:spAutoFit/>
+          </a:bodyPr>
+          <a:lstStyle/>
+          <a:p>
+            <a:pPr algn="ctr"/>
+            <a:r>
+              <a:rPr lang="pt-BR" sz="1600" b="1" dirty="0">
+                <a:latin typeface="Times New Roman" panose="02020603050405020304" pitchFamily="18" charset="0"/>
+                <a:cs typeface="Times New Roman" panose="02020603050405020304" pitchFamily="18" charset="0"/>
+              </a:rPr>
+              <a:t>ISSUE </a:t>
+            </a:r>
+          </a:p>
+          <a:p>
+            <a:pPr algn="ctr"/>
+            <a:r>
+              <a:rPr lang="pt-BR" sz="1400" b="1" dirty="0">
+                <a:latin typeface="Times New Roman" panose="02020603050405020304" pitchFamily="18" charset="0"/>
+                <a:cs typeface="Times New Roman" panose="02020603050405020304" pitchFamily="18" charset="0"/>
+              </a:rPr>
+              <a:t>(Bug, </a:t>
+            </a:r>
+            <a:r>
+              <a:rPr lang="pt-BR" sz="1400" b="1" dirty="0" err="1">
+                <a:latin typeface="Times New Roman" panose="02020603050405020304" pitchFamily="18" charset="0"/>
+                <a:cs typeface="Times New Roman" panose="02020603050405020304" pitchFamily="18" charset="0"/>
+              </a:rPr>
+              <a:t>Enabler</a:t>
+            </a:r>
+            <a:r>
+              <a:rPr lang="pt-BR" sz="1400" b="1" dirty="0">
+                <a:latin typeface="Times New Roman" panose="02020603050405020304" pitchFamily="18" charset="0"/>
+                <a:cs typeface="Times New Roman" panose="02020603050405020304" pitchFamily="18" charset="0"/>
+              </a:rPr>
+              <a:t>, </a:t>
+            </a:r>
+            <a:r>
+              <a:rPr lang="pt-BR" sz="1400" b="1" dirty="0" err="1">
+                <a:latin typeface="Times New Roman" panose="02020603050405020304" pitchFamily="18" charset="0"/>
+                <a:cs typeface="Times New Roman" panose="02020603050405020304" pitchFamily="18" charset="0"/>
+              </a:rPr>
+              <a:t>Freq</a:t>
+            </a:r>
+            <a:r>
+              <a:rPr lang="pt-BR" sz="1400" b="1" dirty="0">
+                <a:latin typeface="Times New Roman" panose="02020603050405020304" pitchFamily="18" charset="0"/>
+                <a:cs typeface="Times New Roman" panose="02020603050405020304" pitchFamily="18" charset="0"/>
+              </a:rPr>
+              <a:t> </a:t>
+            </a:r>
+            <a:r>
+              <a:rPr lang="pt-BR" sz="1400" b="1" dirty="0" err="1">
+                <a:latin typeface="Times New Roman" panose="02020603050405020304" pitchFamily="18" charset="0"/>
+                <a:cs typeface="Times New Roman" panose="02020603050405020304" pitchFamily="18" charset="0"/>
+              </a:rPr>
+              <a:t>or</a:t>
+            </a:r>
+            <a:r>
+              <a:rPr lang="pt-BR" sz="1400" b="1" dirty="0">
+                <a:latin typeface="Times New Roman" panose="02020603050405020304" pitchFamily="18" charset="0"/>
+                <a:cs typeface="Times New Roman" panose="02020603050405020304" pitchFamily="18" charset="0"/>
+              </a:rPr>
+              <a:t> </a:t>
+            </a:r>
+            <a:r>
+              <a:rPr lang="pt-BR" sz="1400" b="1" dirty="0" err="1">
+                <a:latin typeface="Times New Roman" panose="02020603050405020304" pitchFamily="18" charset="0"/>
+                <a:cs typeface="Times New Roman" panose="02020603050405020304" pitchFamily="18" charset="0"/>
+              </a:rPr>
+              <a:t>NFReq</a:t>
+            </a:r>
+            <a:r>
+              <a:rPr lang="pt-BR" sz="1400" b="1" dirty="0">
+                <a:latin typeface="Times New Roman" panose="02020603050405020304" pitchFamily="18" charset="0"/>
+                <a:cs typeface="Times New Roman" panose="02020603050405020304" pitchFamily="18" charset="0"/>
+              </a:rPr>
+              <a:t>)</a:t>
+            </a:r>
+          </a:p>
+        </p:txBody>
+      </p:sp>
+      <p:pic>
+        <p:nvPicPr>
+          <p:cNvPr id="38" name="Gráfico 37" descr="Abrir pasta com preenchimento sólido">
+            <a:extLst>
+              <a:ext uri="{FF2B5EF4-FFF2-40B4-BE49-F238E27FC236}">
+                <a16:creationId xmlns:a16="http://schemas.microsoft.com/office/drawing/2014/main" id="{601BADB1-551A-EE06-7FDC-C4495B4E1868}"/>
+              </a:ext>
+            </a:extLst>
+          </p:cNvPr>
+          <p:cNvPicPr>
+            <a:picLocks noChangeAspect="1"/>
+          </p:cNvPicPr>
+          <p:nvPr/>
+        </p:nvPicPr>
+        <p:blipFill>
+          <a:blip r:embed="rId7">
+            <a:extLst>
+              <a:ext uri="{28A0092B-C50C-407E-A947-70E740481C1C}">
+                <a14:useLocalDpi xmlns:a14="http://schemas.microsoft.com/office/drawing/2010/main" val="0"/>
+              </a:ext>
+              <a:ext uri="{96DAC541-7B7A-43D3-8B79-37D633B846F1}">
+                <asvg:svgBlip xmlns:asvg="http://schemas.microsoft.com/office/drawing/2016/SVG/main" r:embed="rId8"/>
+              </a:ext>
+            </a:extLst>
+          </a:blip>
+          <a:stretch>
+            <a:fillRect/>
+          </a:stretch>
+        </p:blipFill>
+        <p:spPr>
+          <a:xfrm>
+            <a:off x="1368721" y="3004335"/>
+            <a:ext cx="922298" cy="922298"/>
+          </a:xfrm>
+          <a:prstGeom prst="rect">
+            <a:avLst/>
+          </a:prstGeom>
+        </p:spPr>
+      </p:pic>
+      <p:cxnSp>
+        <p:nvCxnSpPr>
+          <p:cNvPr id="41" name="Conector de Seta Reta 40">
+            <a:extLst>
+              <a:ext uri="{FF2B5EF4-FFF2-40B4-BE49-F238E27FC236}">
+                <a16:creationId xmlns:a16="http://schemas.microsoft.com/office/drawing/2014/main" id="{E764DD0E-B614-A038-5154-0311DFBE187E}"/>
+              </a:ext>
+            </a:extLst>
+          </p:cNvPr>
+          <p:cNvCxnSpPr>
+            <a:cxnSpLocks/>
+          </p:cNvCxnSpPr>
+          <p:nvPr/>
+        </p:nvCxnSpPr>
+        <p:spPr>
+          <a:xfrm flipH="1">
+            <a:off x="1836363" y="2901377"/>
+            <a:ext cx="2" cy="340346"/>
+          </a:xfrm>
+          <a:prstGeom prst="straightConnector1">
+            <a:avLst/>
+          </a:prstGeom>
+          <a:ln w="38100">
+            <a:tailEnd type="triangle"/>
+          </a:ln>
+        </p:spPr>
+        <p:style>
+          <a:lnRef idx="1">
+            <a:schemeClr val="accent1"/>
+          </a:lnRef>
+          <a:fillRef idx="0">
+            <a:schemeClr val="accent1"/>
+          </a:fillRef>
+          <a:effectRef idx="0">
+            <a:schemeClr val="accent1"/>
+          </a:effectRef>
+          <a:fontRef idx="minor">
+            <a:schemeClr val="tx1"/>
+          </a:fontRef>
+        </p:style>
+      </p:cxnSp>
+      <p:sp>
+        <p:nvSpPr>
+          <p:cNvPr id="42" name="CaixaDeTexto 41">
+            <a:extLst>
+              <a:ext uri="{FF2B5EF4-FFF2-40B4-BE49-F238E27FC236}">
+                <a16:creationId xmlns:a16="http://schemas.microsoft.com/office/drawing/2014/main" id="{F3104B29-D8E6-081B-578F-5442965D0C13}"/>
+              </a:ext>
+            </a:extLst>
+          </p:cNvPr>
+          <p:cNvSpPr txBox="1"/>
+          <p:nvPr/>
+        </p:nvSpPr>
+        <p:spPr>
+          <a:xfrm>
+            <a:off x="1135761" y="4903626"/>
             <a:ext cx="1295997" cy="338554"/>
           </a:xfrm>
           <a:prstGeom prst="rect">
@@ -10077,31 +10264,68 @@
           </a:p>
         </p:txBody>
       </p:sp>
+      <p:pic>
+        <p:nvPicPr>
+          <p:cNvPr id="43" name="Gráfico 42" descr="Abrir pasta com preenchimento sólido">
+            <a:extLst>
+              <a:ext uri="{FF2B5EF4-FFF2-40B4-BE49-F238E27FC236}">
+                <a16:creationId xmlns:a16="http://schemas.microsoft.com/office/drawing/2014/main" id="{D5EE24DA-88EF-2660-8756-CCDAEDF18789}"/>
+              </a:ext>
+            </a:extLst>
+          </p:cNvPr>
+          <p:cNvPicPr>
+            <a:picLocks noChangeAspect="1"/>
+          </p:cNvPicPr>
+          <p:nvPr/>
+        </p:nvPicPr>
+        <p:blipFill>
+          <a:blip r:embed="rId7">
+            <a:extLst>
+              <a:ext uri="{28A0092B-C50C-407E-A947-70E740481C1C}">
+                <a14:useLocalDpi xmlns:a14="http://schemas.microsoft.com/office/drawing/2010/main" val="0"/>
+              </a:ext>
+              <a:ext uri="{96DAC541-7B7A-43D3-8B79-37D633B846F1}">
+                <asvg:svgBlip xmlns:asvg="http://schemas.microsoft.com/office/drawing/2016/SVG/main" r:embed="rId8"/>
+              </a:ext>
+            </a:extLst>
+          </a:blip>
+          <a:stretch>
+            <a:fillRect/>
+          </a:stretch>
+        </p:blipFill>
+        <p:spPr>
+          <a:xfrm>
+            <a:off x="1350362" y="4175455"/>
+            <a:ext cx="922298" cy="922298"/>
+          </a:xfrm>
+          <a:prstGeom prst="rect">
+            <a:avLst/>
+          </a:prstGeom>
+        </p:spPr>
+      </p:pic>
       <p:cxnSp>
         <p:nvCxnSpPr>
-          <p:cNvPr id="4" name="Conector de Seta Reta 3">
+          <p:cNvPr id="44" name="Conector de Seta Reta 43">
             <a:extLst>
               <a:ext uri="{FF2B5EF4-FFF2-40B4-BE49-F238E27FC236}">
-                <a16:creationId xmlns:a16="http://schemas.microsoft.com/office/drawing/2014/main" id="{12DF51DA-9794-5B8A-59BC-CC3A229A373D}"/>
+                <a16:creationId xmlns:a16="http://schemas.microsoft.com/office/drawing/2014/main" id="{9DA934A4-4552-3219-7936-0C4FBDCAA266}"/>
               </a:ext>
             </a:extLst>
           </p:cNvPr>
           <p:cNvCxnSpPr>
             <a:cxnSpLocks/>
-            <a:stCxn id="10" idx="0"/>
-            <a:endCxn id="12" idx="2"/>
           </p:cNvCxnSpPr>
           <p:nvPr/>
         </p:nvCxnSpPr>
         <p:spPr>
-          <a:xfrm flipV="1">
-            <a:off x="2819297" y="1367180"/>
-            <a:ext cx="35" cy="294218"/>
+          <a:xfrm flipH="1">
+            <a:off x="1811511" y="4083923"/>
+            <a:ext cx="2" cy="340346"/>
           </a:xfrm>
           <a:prstGeom prst="straightConnector1">
             <a:avLst/>
           </a:prstGeom>
-          <a:ln w="22225">
+          <a:ln w="38100">
             <a:tailEnd type="triangle"/>
           </a:ln>
         </p:spPr>
@@ -10120,6 +10344,290 @@
           </a:fontRef>
         </p:style>
       </p:cxnSp>
+      <p:sp>
+        <p:nvSpPr>
+          <p:cNvPr id="45" name="CaixaDeTexto 44">
+            <a:extLst>
+              <a:ext uri="{FF2B5EF4-FFF2-40B4-BE49-F238E27FC236}">
+                <a16:creationId xmlns:a16="http://schemas.microsoft.com/office/drawing/2014/main" id="{25C31CE9-6CF2-ADF2-105F-9692F99A2689}"/>
+              </a:ext>
+            </a:extLst>
+          </p:cNvPr>
+          <p:cNvSpPr txBox="1"/>
+          <p:nvPr/>
+        </p:nvSpPr>
+        <p:spPr>
+          <a:xfrm>
+            <a:off x="1049616" y="6054039"/>
+            <a:ext cx="1295997" cy="338554"/>
+          </a:xfrm>
+          <a:prstGeom prst="rect">
+            <a:avLst/>
+          </a:prstGeom>
+          <a:noFill/>
+        </p:spPr>
+        <p:txBody>
+          <a:bodyPr wrap="square" rtlCol="0">
+            <a:spAutoFit/>
+          </a:bodyPr>
+          <a:lstStyle>
+            <a:defPPr>
+              <a:defRPr lang="pt-BR"/>
+            </a:defPPr>
+            <a:lvl1pPr algn="ctr">
+              <a:defRPr sz="1600" b="1">
+                <a:latin typeface="Times New Roman" panose="02020603050405020304" pitchFamily="18" charset="0"/>
+                <a:cs typeface="Times New Roman" panose="02020603050405020304" pitchFamily="18" charset="0"/>
+              </a:defRPr>
+            </a:lvl1pPr>
+          </a:lstStyle>
+          <a:p>
+            <a:r>
+              <a:rPr lang="pt-BR" dirty="0"/>
+              <a:t>RELEASE</a:t>
+            </a:r>
+          </a:p>
+        </p:txBody>
+      </p:sp>
+      <p:pic>
+        <p:nvPicPr>
+          <p:cNvPr id="46" name="Gráfico 45" descr="Abrir pasta com preenchimento sólido">
+            <a:extLst>
+              <a:ext uri="{FF2B5EF4-FFF2-40B4-BE49-F238E27FC236}">
+                <a16:creationId xmlns:a16="http://schemas.microsoft.com/office/drawing/2014/main" id="{ECD5ACCF-8D9B-B6C6-C320-453804D70D56}"/>
+              </a:ext>
+            </a:extLst>
+          </p:cNvPr>
+          <p:cNvPicPr>
+            <a:picLocks noChangeAspect="1"/>
+          </p:cNvPicPr>
+          <p:nvPr/>
+        </p:nvPicPr>
+        <p:blipFill>
+          <a:blip r:embed="rId7">
+            <a:extLst>
+              <a:ext uri="{28A0092B-C50C-407E-A947-70E740481C1C}">
+                <a14:useLocalDpi xmlns:a14="http://schemas.microsoft.com/office/drawing/2010/main" val="0"/>
+              </a:ext>
+              <a:ext uri="{96DAC541-7B7A-43D3-8B79-37D633B846F1}">
+                <asvg:svgBlip xmlns:asvg="http://schemas.microsoft.com/office/drawing/2016/SVG/main" r:embed="rId8"/>
+              </a:ext>
+            </a:extLst>
+          </a:blip>
+          <a:stretch>
+            <a:fillRect/>
+          </a:stretch>
+        </p:blipFill>
+        <p:spPr>
+          <a:xfrm>
+            <a:off x="1323856" y="5301018"/>
+            <a:ext cx="922298" cy="922298"/>
+          </a:xfrm>
+          <a:prstGeom prst="rect">
+            <a:avLst/>
+          </a:prstGeom>
+        </p:spPr>
+      </p:pic>
+      <p:cxnSp>
+        <p:nvCxnSpPr>
+          <p:cNvPr id="47" name="Conector de Seta Reta 46">
+            <a:extLst>
+              <a:ext uri="{FF2B5EF4-FFF2-40B4-BE49-F238E27FC236}">
+                <a16:creationId xmlns:a16="http://schemas.microsoft.com/office/drawing/2014/main" id="{AF1B2753-B867-FD05-93CF-D5A9DD74B761}"/>
+              </a:ext>
+            </a:extLst>
+          </p:cNvPr>
+          <p:cNvCxnSpPr>
+            <a:cxnSpLocks/>
+          </p:cNvCxnSpPr>
+          <p:nvPr/>
+        </p:nvCxnSpPr>
+        <p:spPr>
+          <a:xfrm flipH="1">
+            <a:off x="1785005" y="5225275"/>
+            <a:ext cx="2" cy="340346"/>
+          </a:xfrm>
+          <a:prstGeom prst="straightConnector1">
+            <a:avLst/>
+          </a:prstGeom>
+          <a:ln w="38100">
+            <a:tailEnd type="triangle"/>
+          </a:ln>
+        </p:spPr>
+        <p:style>
+          <a:lnRef idx="1">
+            <a:schemeClr val="accent1"/>
+          </a:lnRef>
+          <a:fillRef idx="0">
+            <a:schemeClr val="accent1"/>
+          </a:fillRef>
+          <a:effectRef idx="0">
+            <a:schemeClr val="accent1"/>
+          </a:effectRef>
+          <a:fontRef idx="minor">
+            <a:schemeClr val="tx1"/>
+          </a:fontRef>
+        </p:style>
+      </p:cxnSp>
+      <p:sp>
+        <p:nvSpPr>
+          <p:cNvPr id="48" name="Retângulo 47">
+            <a:extLst>
+              <a:ext uri="{FF2B5EF4-FFF2-40B4-BE49-F238E27FC236}">
+                <a16:creationId xmlns:a16="http://schemas.microsoft.com/office/drawing/2014/main" id="{E17D0AEF-D431-0629-B6EE-893FE6BFC1A5}"/>
+              </a:ext>
+            </a:extLst>
+          </p:cNvPr>
+          <p:cNvSpPr/>
+          <p:nvPr/>
+        </p:nvSpPr>
+        <p:spPr>
+          <a:xfrm>
+            <a:off x="586428" y="963177"/>
+            <a:ext cx="2628900" cy="5418668"/>
+          </a:xfrm>
+          <a:prstGeom prst="rect">
+            <a:avLst/>
+          </a:prstGeom>
+          <a:noFill/>
+        </p:spPr>
+        <p:style>
+          <a:lnRef idx="2">
+            <a:schemeClr val="accent1">
+              <a:shade val="15000"/>
+            </a:schemeClr>
+          </a:lnRef>
+          <a:fillRef idx="1">
+            <a:schemeClr val="accent1"/>
+          </a:fillRef>
+          <a:effectRef idx="0">
+            <a:schemeClr val="accent1"/>
+          </a:effectRef>
+          <a:fontRef idx="minor">
+            <a:schemeClr val="lt1"/>
+          </a:fontRef>
+        </p:style>
+        <p:txBody>
+          <a:bodyPr rtlCol="0" anchor="ctr"/>
+          <a:lstStyle/>
+          <a:p>
+            <a:pPr algn="ctr"/>
+            <a:endParaRPr lang="pt-BR"/>
+          </a:p>
+        </p:txBody>
+      </p:sp>
+      <p:sp>
+        <p:nvSpPr>
+          <p:cNvPr id="5" name="CaixaDeTexto 4">
+            <a:extLst>
+              <a:ext uri="{FF2B5EF4-FFF2-40B4-BE49-F238E27FC236}">
+                <a16:creationId xmlns:a16="http://schemas.microsoft.com/office/drawing/2014/main" id="{B159367A-9F27-42AB-0A1D-0D1F67FA810E}"/>
+              </a:ext>
+            </a:extLst>
+          </p:cNvPr>
+          <p:cNvSpPr txBox="1"/>
+          <p:nvPr/>
+        </p:nvSpPr>
+        <p:spPr>
+          <a:xfrm>
+            <a:off x="3562654" y="715209"/>
+            <a:ext cx="4273826" cy="461665"/>
+          </a:xfrm>
+          <a:prstGeom prst="rect">
+            <a:avLst/>
+          </a:prstGeom>
+          <a:solidFill>
+            <a:schemeClr val="bg1"/>
+          </a:solidFill>
+        </p:spPr>
+        <p:txBody>
+          <a:bodyPr wrap="square" rtlCol="0">
+            <a:spAutoFit/>
+          </a:bodyPr>
+          <a:lstStyle/>
+          <a:p>
+            <a:r>
+              <a:rPr lang="pt-BR" sz="2400" b="1" dirty="0">
+                <a:latin typeface="Times New Roman" panose="02020603050405020304" pitchFamily="18" charset="0"/>
+                <a:cs typeface="Times New Roman" panose="02020603050405020304" pitchFamily="18" charset="0"/>
+              </a:rPr>
+              <a:t>Funcional </a:t>
+            </a:r>
+            <a:r>
+              <a:rPr lang="pt-BR" sz="2400" b="1" dirty="0" err="1">
+                <a:latin typeface="Times New Roman" panose="02020603050405020304" pitchFamily="18" charset="0"/>
+                <a:cs typeface="Times New Roman" panose="02020603050405020304" pitchFamily="18" charset="0"/>
+              </a:rPr>
+              <a:t>Requirement</a:t>
+            </a:r>
+            <a:r>
+              <a:rPr lang="pt-BR" sz="2400" b="1" dirty="0">
+                <a:latin typeface="Times New Roman" panose="02020603050405020304" pitchFamily="18" charset="0"/>
+                <a:cs typeface="Times New Roman" panose="02020603050405020304" pitchFamily="18" charset="0"/>
+              </a:rPr>
+              <a:t> (</a:t>
+            </a:r>
+            <a:r>
+              <a:rPr lang="pt-BR" sz="2400" b="1" dirty="0" err="1">
+                <a:latin typeface="Times New Roman" panose="02020603050405020304" pitchFamily="18" charset="0"/>
+                <a:cs typeface="Times New Roman" panose="02020603050405020304" pitchFamily="18" charset="0"/>
+              </a:rPr>
+              <a:t>FReq</a:t>
+            </a:r>
+            <a:r>
+              <a:rPr lang="pt-BR" sz="2400" b="1" dirty="0">
+                <a:latin typeface="Times New Roman" panose="02020603050405020304" pitchFamily="18" charset="0"/>
+                <a:cs typeface="Times New Roman" panose="02020603050405020304" pitchFamily="18" charset="0"/>
+              </a:rPr>
+              <a:t>)</a:t>
+            </a:r>
+          </a:p>
+        </p:txBody>
+      </p:sp>
+      <p:sp>
+        <p:nvSpPr>
+          <p:cNvPr id="49" name="CaixaDeTexto 48">
+            <a:extLst>
+              <a:ext uri="{FF2B5EF4-FFF2-40B4-BE49-F238E27FC236}">
+                <a16:creationId xmlns:a16="http://schemas.microsoft.com/office/drawing/2014/main" id="{22AD376F-ECDB-1328-1258-707DF8D0C924}"/>
+              </a:ext>
+            </a:extLst>
+          </p:cNvPr>
+          <p:cNvSpPr txBox="1"/>
+          <p:nvPr/>
+        </p:nvSpPr>
+        <p:spPr>
+          <a:xfrm>
+            <a:off x="774616" y="715209"/>
+            <a:ext cx="1498044" cy="461665"/>
+          </a:xfrm>
+          <a:prstGeom prst="rect">
+            <a:avLst/>
+          </a:prstGeom>
+          <a:solidFill>
+            <a:schemeClr val="bg1"/>
+          </a:solidFill>
+        </p:spPr>
+        <p:txBody>
+          <a:bodyPr wrap="square" rtlCol="0">
+            <a:spAutoFit/>
+          </a:bodyPr>
+          <a:lstStyle/>
+          <a:p>
+            <a:r>
+              <a:rPr lang="pt-BR" sz="2400" b="1" dirty="0" err="1">
+                <a:latin typeface="Times New Roman" panose="02020603050405020304" pitchFamily="18" charset="0"/>
+                <a:cs typeface="Times New Roman" panose="02020603050405020304" pitchFamily="18" charset="0"/>
+              </a:rPr>
+              <a:t>Structure</a:t>
+            </a:r>
+            <a:endParaRPr lang="pt-BR" sz="2400" b="1" dirty="0">
+              <a:latin typeface="Times New Roman" panose="02020603050405020304" pitchFamily="18" charset="0"/>
+              <a:cs typeface="Times New Roman" panose="02020603050405020304" pitchFamily="18" charset="0"/>
+            </a:endParaRPr>
+          </a:p>
+        </p:txBody>
+      </p:sp>
     </p:spTree>
     <p:extLst>
       <p:ext uri="{BB962C8B-B14F-4D97-AF65-F5344CB8AC3E}">
@@ -10152,10 +10660,10 @@
       </p:grpSpPr>
       <p:pic>
         <p:nvPicPr>
-          <p:cNvPr id="3" name="Imagem 2">
+          <p:cNvPr id="2" name="Imagem 1">
             <a:extLst>
               <a:ext uri="{FF2B5EF4-FFF2-40B4-BE49-F238E27FC236}">
-                <a16:creationId xmlns:a16="http://schemas.microsoft.com/office/drawing/2014/main" id="{F8622EB8-B660-9BBC-ED45-1BEEF5FA8820}"/>
+                <a16:creationId xmlns:a16="http://schemas.microsoft.com/office/drawing/2014/main" id="{83A18F82-D470-6D5E-1A7E-6545ADA93088}"/>
               </a:ext>
             </a:extLst>
           </p:cNvPr>
@@ -10172,8 +10680,8 @@
         </p:blipFill>
         <p:spPr>
           <a:xfrm>
-            <a:off x="1932071" y="420363"/>
-            <a:ext cx="8327858" cy="6017274"/>
+            <a:off x="618269" y="527052"/>
+            <a:ext cx="10955462" cy="5803895"/>
           </a:xfrm>
           <a:prstGeom prst="rect">
             <a:avLst/>

--- a/docs/FunctionalRequirements.pptx
+++ b/docs/FunctionalRequirements.pptx
@@ -10628,6 +10628,106 @@
           </a:p>
         </p:txBody>
       </p:sp>
+      <p:sp>
+        <p:nvSpPr>
+          <p:cNvPr id="3" name="Seta: Curva para a Esquerda 2">
+            <a:extLst>
+              <a:ext uri="{FF2B5EF4-FFF2-40B4-BE49-F238E27FC236}">
+                <a16:creationId xmlns:a16="http://schemas.microsoft.com/office/drawing/2014/main" id="{3932B183-0A26-BCF8-7153-683BF6E2D2B3}"/>
+              </a:ext>
+            </a:extLst>
+          </p:cNvPr>
+          <p:cNvSpPr/>
+          <p:nvPr/>
+        </p:nvSpPr>
+        <p:spPr>
+          <a:xfrm rot="16200000">
+            <a:off x="7964643" y="1498133"/>
+            <a:ext cx="687871" cy="1407184"/>
+          </a:xfrm>
+          <a:prstGeom prst="curvedLeftArrow">
+            <a:avLst/>
+          </a:prstGeom>
+        </p:spPr>
+        <p:style>
+          <a:lnRef idx="2">
+            <a:schemeClr val="accent1">
+              <a:shade val="15000"/>
+            </a:schemeClr>
+          </a:lnRef>
+          <a:fillRef idx="1">
+            <a:schemeClr val="accent1"/>
+          </a:fillRef>
+          <a:effectRef idx="0">
+            <a:schemeClr val="accent1"/>
+          </a:effectRef>
+          <a:fontRef idx="minor">
+            <a:schemeClr val="lt1"/>
+          </a:fontRef>
+        </p:style>
+        <p:txBody>
+          <a:bodyPr rtlCol="0" anchor="ctr"/>
+          <a:lstStyle/>
+          <a:p>
+            <a:pPr algn="ctr"/>
+            <a:endParaRPr lang="pt-BR">
+              <a:solidFill>
+                <a:schemeClr val="tx1"/>
+              </a:solidFill>
+            </a:endParaRPr>
+          </a:p>
+        </p:txBody>
+      </p:sp>
+      <p:sp>
+        <p:nvSpPr>
+          <p:cNvPr id="4" name="Seta: Curva para a Esquerda 3">
+            <a:extLst>
+              <a:ext uri="{FF2B5EF4-FFF2-40B4-BE49-F238E27FC236}">
+                <a16:creationId xmlns:a16="http://schemas.microsoft.com/office/drawing/2014/main" id="{38B62811-868A-08AD-26FF-76D579F3EBCB}"/>
+              </a:ext>
+            </a:extLst>
+          </p:cNvPr>
+          <p:cNvSpPr/>
+          <p:nvPr/>
+        </p:nvSpPr>
+        <p:spPr>
+          <a:xfrm rot="5400000">
+            <a:off x="8002743" y="4440301"/>
+            <a:ext cx="687871" cy="1407184"/>
+          </a:xfrm>
+          <a:prstGeom prst="curvedLeftArrow">
+            <a:avLst/>
+          </a:prstGeom>
+        </p:spPr>
+        <p:style>
+          <a:lnRef idx="2">
+            <a:schemeClr val="accent1">
+              <a:shade val="15000"/>
+            </a:schemeClr>
+          </a:lnRef>
+          <a:fillRef idx="1">
+            <a:schemeClr val="accent1"/>
+          </a:fillRef>
+          <a:effectRef idx="0">
+            <a:schemeClr val="accent1"/>
+          </a:effectRef>
+          <a:fontRef idx="minor">
+            <a:schemeClr val="lt1"/>
+          </a:fontRef>
+        </p:style>
+        <p:txBody>
+          <a:bodyPr rtlCol="0" anchor="ctr"/>
+          <a:lstStyle/>
+          <a:p>
+            <a:pPr algn="ctr"/>
+            <a:endParaRPr lang="pt-BR">
+              <a:solidFill>
+                <a:schemeClr val="tx1"/>
+              </a:solidFill>
+            </a:endParaRPr>
+          </a:p>
+        </p:txBody>
+      </p:sp>
     </p:spTree>
     <p:extLst>
       <p:ext uri="{BB962C8B-B14F-4D97-AF65-F5344CB8AC3E}">
@@ -10660,10 +10760,10 @@
       </p:grpSpPr>
       <p:pic>
         <p:nvPicPr>
-          <p:cNvPr id="2" name="Imagem 1">
+          <p:cNvPr id="22" name="Imagem 21">
             <a:extLst>
               <a:ext uri="{FF2B5EF4-FFF2-40B4-BE49-F238E27FC236}">
-                <a16:creationId xmlns:a16="http://schemas.microsoft.com/office/drawing/2014/main" id="{83A18F82-D470-6D5E-1A7E-6545ADA93088}"/>
+                <a16:creationId xmlns:a16="http://schemas.microsoft.com/office/drawing/2014/main" id="{F8D5F65D-6BA0-ACC9-59DF-A068EC57CF7D}"/>
               </a:ext>
             </a:extLst>
           </p:cNvPr>

--- a/docs/FunctionalRequirements.pptx
+++ b/docs/FunctionalRequirements.pptx
@@ -6,11 +6,12 @@
   </p:sldMasterIdLst>
   <p:sldIdLst>
     <p:sldId id="256" r:id="rId2"/>
-    <p:sldId id="257" r:id="rId3"/>
-    <p:sldId id="258" r:id="rId4"/>
-    <p:sldId id="259" r:id="rId5"/>
-    <p:sldId id="260" r:id="rId6"/>
-    <p:sldId id="261" r:id="rId7"/>
+    <p:sldId id="262" r:id="rId3"/>
+    <p:sldId id="257" r:id="rId4"/>
+    <p:sldId id="258" r:id="rId5"/>
+    <p:sldId id="259" r:id="rId6"/>
+    <p:sldId id="260" r:id="rId7"/>
+    <p:sldId id="261" r:id="rId8"/>
   </p:sldIdLst>
   <p:sldSz cx="12192000" cy="6858000"/>
   <p:notesSz cx="6858000" cy="9144000"/>
@@ -3444,7 +3445,7 @@
           <a:p>
             <a:fld id="{077D152E-87CF-46B2-B789-151B8AAC1DA0}" type="datetimeFigureOut">
               <a:rPr lang="pt-BR" smtClean="0"/>
-              <a:t>16/01/2024</a:t>
+              <a:t>17/01/2024</a:t>
             </a:fld>
             <a:endParaRPr lang="pt-BR"/>
           </a:p>
@@ -3642,7 +3643,7 @@
           <a:p>
             <a:fld id="{077D152E-87CF-46B2-B789-151B8AAC1DA0}" type="datetimeFigureOut">
               <a:rPr lang="pt-BR" smtClean="0"/>
-              <a:t>16/01/2024</a:t>
+              <a:t>17/01/2024</a:t>
             </a:fld>
             <a:endParaRPr lang="pt-BR"/>
           </a:p>
@@ -3850,7 +3851,7 @@
           <a:p>
             <a:fld id="{077D152E-87CF-46B2-B789-151B8AAC1DA0}" type="datetimeFigureOut">
               <a:rPr lang="pt-BR" smtClean="0"/>
-              <a:t>16/01/2024</a:t>
+              <a:t>17/01/2024</a:t>
             </a:fld>
             <a:endParaRPr lang="pt-BR"/>
           </a:p>
@@ -4048,7 +4049,7 @@
           <a:p>
             <a:fld id="{077D152E-87CF-46B2-B789-151B8AAC1DA0}" type="datetimeFigureOut">
               <a:rPr lang="pt-BR" smtClean="0"/>
-              <a:t>16/01/2024</a:t>
+              <a:t>17/01/2024</a:t>
             </a:fld>
             <a:endParaRPr lang="pt-BR"/>
           </a:p>
@@ -4323,7 +4324,7 @@
           <a:p>
             <a:fld id="{077D152E-87CF-46B2-B789-151B8AAC1DA0}" type="datetimeFigureOut">
               <a:rPr lang="pt-BR" smtClean="0"/>
-              <a:t>16/01/2024</a:t>
+              <a:t>17/01/2024</a:t>
             </a:fld>
             <a:endParaRPr lang="pt-BR"/>
           </a:p>
@@ -4588,7 +4589,7 @@
           <a:p>
             <a:fld id="{077D152E-87CF-46B2-B789-151B8AAC1DA0}" type="datetimeFigureOut">
               <a:rPr lang="pt-BR" smtClean="0"/>
-              <a:t>16/01/2024</a:t>
+              <a:t>17/01/2024</a:t>
             </a:fld>
             <a:endParaRPr lang="pt-BR"/>
           </a:p>
@@ -5000,7 +5001,7 @@
           <a:p>
             <a:fld id="{077D152E-87CF-46B2-B789-151B8AAC1DA0}" type="datetimeFigureOut">
               <a:rPr lang="pt-BR" smtClean="0"/>
-              <a:t>16/01/2024</a:t>
+              <a:t>17/01/2024</a:t>
             </a:fld>
             <a:endParaRPr lang="pt-BR"/>
           </a:p>
@@ -5141,7 +5142,7 @@
           <a:p>
             <a:fld id="{077D152E-87CF-46B2-B789-151B8AAC1DA0}" type="datetimeFigureOut">
               <a:rPr lang="pt-BR" smtClean="0"/>
-              <a:t>16/01/2024</a:t>
+              <a:t>17/01/2024</a:t>
             </a:fld>
             <a:endParaRPr lang="pt-BR"/>
           </a:p>
@@ -5254,7 +5255,7 @@
           <a:p>
             <a:fld id="{077D152E-87CF-46B2-B789-151B8AAC1DA0}" type="datetimeFigureOut">
               <a:rPr lang="pt-BR" smtClean="0"/>
-              <a:t>16/01/2024</a:t>
+              <a:t>17/01/2024</a:t>
             </a:fld>
             <a:endParaRPr lang="pt-BR"/>
           </a:p>
@@ -5565,7 +5566,7 @@
           <a:p>
             <a:fld id="{077D152E-87CF-46B2-B789-151B8AAC1DA0}" type="datetimeFigureOut">
               <a:rPr lang="pt-BR" smtClean="0"/>
-              <a:t>16/01/2024</a:t>
+              <a:t>17/01/2024</a:t>
             </a:fld>
             <a:endParaRPr lang="pt-BR"/>
           </a:p>
@@ -5853,7 +5854,7 @@
           <a:p>
             <a:fld id="{077D152E-87CF-46B2-B789-151B8AAC1DA0}" type="datetimeFigureOut">
               <a:rPr lang="pt-BR" smtClean="0"/>
-              <a:t>16/01/2024</a:t>
+              <a:t>17/01/2024</a:t>
             </a:fld>
             <a:endParaRPr lang="pt-BR"/>
           </a:p>
@@ -6094,7 +6095,7 @@
           <a:p>
             <a:fld id="{077D152E-87CF-46B2-B789-151B8AAC1DA0}" type="datetimeFigureOut">
               <a:rPr lang="pt-BR" smtClean="0"/>
-              <a:t>16/01/2024</a:t>
+              <a:t>17/01/2024</a:t>
             </a:fld>
             <a:endParaRPr lang="pt-BR"/>
           </a:p>
@@ -6526,14 +6527,14 @@
           <p:nvPr>
             <p:extLst>
               <p:ext uri="{D42A27DB-BD31-4B8C-83A1-F6EECF244321}">
-                <p14:modId xmlns:p14="http://schemas.microsoft.com/office/powerpoint/2010/main" val="3141033510"/>
+                <p14:modId xmlns:p14="http://schemas.microsoft.com/office/powerpoint/2010/main" val="4077175304"/>
               </p:ext>
             </p:extLst>
           </p:nvPr>
         </p:nvGraphicFramePr>
         <p:xfrm>
-          <a:off x="530262" y="1083736"/>
-          <a:ext cx="5770034" cy="4334933"/>
+          <a:off x="987461" y="1083736"/>
+          <a:ext cx="10506037" cy="4334933"/>
         </p:xfrm>
         <a:graphic>
           <a:graphicData uri="http://schemas.openxmlformats.org/drawingml/2006/table">
@@ -6549,7 +6550,1675 @@
                     </a:ext>
                   </a:extLst>
                 </a:gridCol>
-                <a:gridCol w="4881033">
+                <a:gridCol w="9617036">
+                  <a:extLst>
+                    <a:ext uri="{9D8B030D-6E8A-4147-A177-3AD203B41FA5}">
+                      <a16:colId xmlns:a16="http://schemas.microsoft.com/office/drawing/2014/main" val="650247764"/>
+                    </a:ext>
+                  </a:extLst>
+                </a:gridCol>
+              </a:tblGrid>
+              <a:tr h="745067">
+                <a:tc>
+                  <a:txBody>
+                    <a:bodyPr/>
+                    <a:lstStyle/>
+                    <a:p>
+                      <a:endParaRPr lang="pt-BR" dirty="0"/>
+                    </a:p>
+                  </a:txBody>
+                  <a:tcPr>
+                    <a:lnL w="12700" cap="flat" cmpd="sng" algn="ctr">
+                      <a:noFill/>
+                      <a:prstDash val="solid"/>
+                      <a:round/>
+                      <a:headEnd type="none" w="med" len="med"/>
+                      <a:tailEnd type="none" w="med" len="med"/>
+                    </a:lnL>
+                    <a:lnR w="12700" cap="flat" cmpd="sng" algn="ctr">
+                      <a:solidFill>
+                        <a:schemeClr val="tx1"/>
+                      </a:solidFill>
+                      <a:prstDash val="solid"/>
+                      <a:round/>
+                      <a:headEnd type="none" w="med" len="med"/>
+                      <a:tailEnd type="none" w="med" len="med"/>
+                    </a:lnR>
+                    <a:lnT w="12700" cap="flat" cmpd="sng" algn="ctr">
+                      <a:noFill/>
+                      <a:prstDash val="solid"/>
+                      <a:round/>
+                      <a:headEnd type="none" w="med" len="med"/>
+                      <a:tailEnd type="none" w="med" len="med"/>
+                    </a:lnT>
+                    <a:lnB w="12700" cap="flat" cmpd="sng" algn="ctr">
+                      <a:noFill/>
+                      <a:prstDash val="solid"/>
+                      <a:round/>
+                      <a:headEnd type="none" w="med" len="med"/>
+                      <a:tailEnd type="none" w="med" len="med"/>
+                    </a:lnB>
+                    <a:noFill/>
+                  </a:tcPr>
+                </a:tc>
+                <a:tc>
+                  <a:txBody>
+                    <a:bodyPr/>
+                    <a:lstStyle/>
+                    <a:p>
+                      <a:pPr algn="l"/>
+                      <a:r>
+                        <a:rPr lang="pt-BR" dirty="0" err="1">
+                          <a:solidFill>
+                            <a:schemeClr val="tx1"/>
+                          </a:solidFill>
+                        </a:rPr>
+                        <a:t>Inependet</a:t>
+                      </a:r>
+                      <a:r>
+                        <a:rPr lang="pt-BR" dirty="0">
+                          <a:solidFill>
+                            <a:schemeClr val="tx1"/>
+                          </a:solidFill>
+                        </a:rPr>
+                        <a:t>: </a:t>
+                      </a:r>
+                      <a:r>
+                        <a:rPr lang="pt-BR" b="0" dirty="0" err="1">
+                          <a:solidFill>
+                            <a:schemeClr val="tx1"/>
+                          </a:solidFill>
+                        </a:rPr>
+                        <a:t>Considering</a:t>
+                      </a:r>
+                      <a:r>
+                        <a:rPr lang="pt-BR" b="0" dirty="0">
+                          <a:solidFill>
+                            <a:schemeClr val="tx1"/>
+                          </a:solidFill>
+                        </a:rPr>
+                        <a:t> </a:t>
+                      </a:r>
+                      <a:r>
+                        <a:rPr lang="pt-BR" b="0" dirty="0" err="1">
+                          <a:solidFill>
+                            <a:schemeClr val="tx1"/>
+                          </a:solidFill>
+                        </a:rPr>
+                        <a:t>two</a:t>
+                      </a:r>
+                      <a:r>
+                        <a:rPr lang="pt-BR" b="0" dirty="0">
+                          <a:solidFill>
+                            <a:schemeClr val="tx1"/>
+                          </a:solidFill>
+                        </a:rPr>
+                        <a:t> stories X </a:t>
+                      </a:r>
+                      <a:r>
+                        <a:rPr lang="pt-BR" b="0" dirty="0" err="1">
+                          <a:solidFill>
+                            <a:schemeClr val="tx1"/>
+                          </a:solidFill>
+                        </a:rPr>
+                        <a:t>and</a:t>
+                      </a:r>
+                      <a:r>
+                        <a:rPr lang="pt-BR" b="0" dirty="0">
+                          <a:solidFill>
+                            <a:schemeClr val="tx1"/>
+                          </a:solidFill>
+                        </a:rPr>
+                        <a:t> Y, it </a:t>
+                      </a:r>
+                      <a:r>
+                        <a:rPr lang="pt-BR" b="0" dirty="0" err="1">
+                          <a:solidFill>
+                            <a:schemeClr val="tx1"/>
+                          </a:solidFill>
+                        </a:rPr>
+                        <a:t>has</a:t>
+                      </a:r>
+                      <a:r>
+                        <a:rPr lang="pt-BR" b="0" dirty="0">
+                          <a:solidFill>
+                            <a:schemeClr val="tx1"/>
+                          </a:solidFill>
+                        </a:rPr>
+                        <a:t> </a:t>
+                      </a:r>
+                      <a:r>
+                        <a:rPr lang="pt-BR" b="0" dirty="0" err="1">
+                          <a:solidFill>
+                            <a:schemeClr val="tx1"/>
+                          </a:solidFill>
+                        </a:rPr>
+                        <a:t>to</a:t>
+                      </a:r>
+                      <a:r>
+                        <a:rPr lang="pt-BR" b="0" dirty="0">
+                          <a:solidFill>
+                            <a:schemeClr val="tx1"/>
+                          </a:solidFill>
+                        </a:rPr>
+                        <a:t> </a:t>
+                      </a:r>
+                      <a:r>
+                        <a:rPr lang="pt-BR" b="0" dirty="0" err="1">
+                          <a:solidFill>
+                            <a:schemeClr val="tx1"/>
+                          </a:solidFill>
+                        </a:rPr>
+                        <a:t>be</a:t>
+                      </a:r>
+                      <a:r>
+                        <a:rPr lang="pt-BR" b="0" dirty="0">
+                          <a:solidFill>
+                            <a:schemeClr val="tx1"/>
+                          </a:solidFill>
+                        </a:rPr>
+                        <a:t> </a:t>
+                      </a:r>
+                      <a:r>
+                        <a:rPr lang="pt-BR" b="0" dirty="0" err="1">
+                          <a:solidFill>
+                            <a:schemeClr val="tx1"/>
+                          </a:solidFill>
+                        </a:rPr>
+                        <a:t>possible</a:t>
+                      </a:r>
+                      <a:r>
+                        <a:rPr lang="pt-BR" b="0" dirty="0">
+                          <a:solidFill>
+                            <a:schemeClr val="tx1"/>
+                          </a:solidFill>
+                        </a:rPr>
+                        <a:t> </a:t>
+                      </a:r>
+                      <a:r>
+                        <a:rPr lang="pt-BR" b="0" dirty="0" err="1">
+                          <a:solidFill>
+                            <a:schemeClr val="tx1"/>
+                          </a:solidFill>
+                        </a:rPr>
+                        <a:t>to</a:t>
+                      </a:r>
+                      <a:r>
+                        <a:rPr lang="pt-BR" b="0" dirty="0">
+                          <a:solidFill>
+                            <a:schemeClr val="tx1"/>
+                          </a:solidFill>
+                        </a:rPr>
+                        <a:t> </a:t>
+                      </a:r>
+                      <a:r>
+                        <a:rPr lang="pt-BR" b="0" dirty="0" err="1">
+                          <a:solidFill>
+                            <a:schemeClr val="tx1"/>
+                          </a:solidFill>
+                        </a:rPr>
+                        <a:t>implement</a:t>
+                      </a:r>
+                      <a:r>
+                        <a:rPr lang="pt-BR" b="0" dirty="0">
+                          <a:solidFill>
+                            <a:schemeClr val="tx1"/>
+                          </a:solidFill>
+                        </a:rPr>
+                        <a:t> </a:t>
+                      </a:r>
+                      <a:r>
+                        <a:rPr lang="pt-BR" b="0" dirty="0" err="1">
+                          <a:solidFill>
+                            <a:schemeClr val="tx1"/>
+                          </a:solidFill>
+                        </a:rPr>
+                        <a:t>them</a:t>
+                      </a:r>
+                      <a:r>
+                        <a:rPr lang="pt-BR" b="0" dirty="0">
+                          <a:solidFill>
+                            <a:schemeClr val="tx1"/>
+                          </a:solidFill>
+                        </a:rPr>
+                        <a:t> in </a:t>
+                      </a:r>
+                      <a:r>
+                        <a:rPr lang="pt-BR" b="0" dirty="0" err="1">
+                          <a:solidFill>
+                            <a:schemeClr val="tx1"/>
+                          </a:solidFill>
+                        </a:rPr>
+                        <a:t>any</a:t>
+                      </a:r>
+                      <a:r>
+                        <a:rPr lang="pt-BR" b="0" dirty="0">
+                          <a:solidFill>
+                            <a:schemeClr val="tx1"/>
+                          </a:solidFill>
+                        </a:rPr>
+                        <a:t> </a:t>
+                      </a:r>
+                      <a:r>
+                        <a:rPr lang="pt-BR" b="0" dirty="0" err="1">
+                          <a:solidFill>
+                            <a:schemeClr val="tx1"/>
+                          </a:solidFill>
+                        </a:rPr>
+                        <a:t>sequence</a:t>
+                      </a:r>
+                      <a:r>
+                        <a:rPr lang="pt-BR" b="0" dirty="0">
+                          <a:solidFill>
+                            <a:schemeClr val="tx1"/>
+                          </a:solidFill>
+                        </a:rPr>
+                        <a:t>.</a:t>
+                      </a:r>
+                    </a:p>
+                  </a:txBody>
+                  <a:tcPr anchor="ctr">
+                    <a:lnL w="12700" cap="flat" cmpd="sng" algn="ctr">
+                      <a:solidFill>
+                        <a:schemeClr val="tx1"/>
+                      </a:solidFill>
+                      <a:prstDash val="solid"/>
+                      <a:round/>
+                      <a:headEnd type="none" w="med" len="med"/>
+                      <a:tailEnd type="none" w="med" len="med"/>
+                    </a:lnL>
+                    <a:lnR w="12700" cap="flat" cmpd="sng" algn="ctr">
+                      <a:solidFill>
+                        <a:schemeClr val="tx1"/>
+                      </a:solidFill>
+                      <a:prstDash val="solid"/>
+                      <a:round/>
+                      <a:headEnd type="none" w="med" len="med"/>
+                      <a:tailEnd type="none" w="med" len="med"/>
+                    </a:lnR>
+                    <a:lnT w="12700" cap="flat" cmpd="sng" algn="ctr">
+                      <a:solidFill>
+                        <a:schemeClr val="tx1"/>
+                      </a:solidFill>
+                      <a:prstDash val="solid"/>
+                      <a:round/>
+                      <a:headEnd type="none" w="med" len="med"/>
+                      <a:tailEnd type="none" w="med" len="med"/>
+                    </a:lnT>
+                    <a:lnB w="12700" cap="flat" cmpd="sng" algn="ctr">
+                      <a:solidFill>
+                        <a:schemeClr val="tx1"/>
+                      </a:solidFill>
+                      <a:prstDash val="solid"/>
+                      <a:round/>
+                      <a:headEnd type="none" w="med" len="med"/>
+                      <a:tailEnd type="none" w="med" len="med"/>
+                    </a:lnB>
+                    <a:solidFill>
+                      <a:schemeClr val="bg1"/>
+                    </a:solidFill>
+                  </a:tcPr>
+                </a:tc>
+                <a:extLst>
+                  <a:ext uri="{0D108BD9-81ED-4DB2-BD59-A6C34878D82A}">
+                    <a16:rowId xmlns:a16="http://schemas.microsoft.com/office/drawing/2014/main" val="269353836"/>
+                  </a:ext>
+                </a:extLst>
+              </a:tr>
+              <a:tr h="681566">
+                <a:tc>
+                  <a:txBody>
+                    <a:bodyPr/>
+                    <a:lstStyle/>
+                    <a:p>
+                      <a:pPr marL="0" algn="l" defTabSz="914400" rtl="0" eaLnBrk="1" latinLnBrk="0" hangingPunct="1"/>
+                      <a:endParaRPr lang="pt-BR" sz="1800" b="1" kern="1200" dirty="0">
+                        <a:solidFill>
+                          <a:schemeClr val="lt1"/>
+                        </a:solidFill>
+                        <a:latin typeface="+mn-lt"/>
+                        <a:ea typeface="+mn-ea"/>
+                        <a:cs typeface="+mn-cs"/>
+                      </a:endParaRPr>
+                    </a:p>
+                  </a:txBody>
+                  <a:tcPr>
+                    <a:lnL w="12700" cap="flat" cmpd="sng" algn="ctr">
+                      <a:noFill/>
+                      <a:prstDash val="solid"/>
+                      <a:round/>
+                      <a:headEnd type="none" w="med" len="med"/>
+                      <a:tailEnd type="none" w="med" len="med"/>
+                    </a:lnL>
+                    <a:lnR w="12700" cap="flat" cmpd="sng" algn="ctr">
+                      <a:solidFill>
+                        <a:schemeClr val="tx1"/>
+                      </a:solidFill>
+                      <a:prstDash val="solid"/>
+                      <a:round/>
+                      <a:headEnd type="none" w="med" len="med"/>
+                      <a:tailEnd type="none" w="med" len="med"/>
+                    </a:lnR>
+                    <a:lnT w="12700" cap="flat" cmpd="sng" algn="ctr">
+                      <a:noFill/>
+                      <a:prstDash val="solid"/>
+                      <a:round/>
+                      <a:headEnd type="none" w="med" len="med"/>
+                      <a:tailEnd type="none" w="med" len="med"/>
+                    </a:lnT>
+                    <a:lnB w="12700" cap="flat" cmpd="sng" algn="ctr">
+                      <a:noFill/>
+                      <a:prstDash val="solid"/>
+                      <a:round/>
+                      <a:headEnd type="none" w="med" len="med"/>
+                      <a:tailEnd type="none" w="med" len="med"/>
+                    </a:lnB>
+                    <a:noFill/>
+                  </a:tcPr>
+                </a:tc>
+                <a:tc>
+                  <a:txBody>
+                    <a:bodyPr/>
+                    <a:lstStyle/>
+                    <a:p>
+                      <a:pPr marL="0" algn="l" defTabSz="914400" rtl="0" eaLnBrk="1" latinLnBrk="0" hangingPunct="1"/>
+                      <a:r>
+                        <a:rPr lang="pt-BR" b="1" dirty="0" err="1"/>
+                        <a:t>Negotiable</a:t>
+                      </a:r>
+                      <a:r>
+                        <a:rPr lang="pt-BR" b="1" dirty="0"/>
+                        <a:t>: </a:t>
+                      </a:r>
+                      <a:r>
+                        <a:rPr lang="en-US" b="0" dirty="0"/>
+                        <a:t>Conversation, conversation, conversation and... </a:t>
+                      </a:r>
+                      <a:endParaRPr lang="pt-BR" sz="1800" b="0" kern="1200" dirty="0">
+                        <a:solidFill>
+                          <a:schemeClr val="tx1"/>
+                        </a:solidFill>
+                        <a:latin typeface="+mn-lt"/>
+                        <a:ea typeface="+mn-ea"/>
+                        <a:cs typeface="+mn-cs"/>
+                      </a:endParaRPr>
+                    </a:p>
+                  </a:txBody>
+                  <a:tcPr anchor="ctr">
+                    <a:lnL w="12700" cap="flat" cmpd="sng" algn="ctr">
+                      <a:solidFill>
+                        <a:schemeClr val="tx1"/>
+                      </a:solidFill>
+                      <a:prstDash val="solid"/>
+                      <a:round/>
+                      <a:headEnd type="none" w="med" len="med"/>
+                      <a:tailEnd type="none" w="med" len="med"/>
+                    </a:lnL>
+                    <a:lnR w="12700" cap="flat" cmpd="sng" algn="ctr">
+                      <a:solidFill>
+                        <a:schemeClr val="tx1"/>
+                      </a:solidFill>
+                      <a:prstDash val="solid"/>
+                      <a:round/>
+                      <a:headEnd type="none" w="med" len="med"/>
+                      <a:tailEnd type="none" w="med" len="med"/>
+                    </a:lnR>
+                    <a:lnT w="12700" cap="flat" cmpd="sng" algn="ctr">
+                      <a:solidFill>
+                        <a:schemeClr val="tx1"/>
+                      </a:solidFill>
+                      <a:prstDash val="solid"/>
+                      <a:round/>
+                      <a:headEnd type="none" w="med" len="med"/>
+                      <a:tailEnd type="none" w="med" len="med"/>
+                    </a:lnT>
+                    <a:lnB w="12700" cap="flat" cmpd="sng" algn="ctr">
+                      <a:solidFill>
+                        <a:schemeClr val="tx1"/>
+                      </a:solidFill>
+                      <a:prstDash val="solid"/>
+                      <a:round/>
+                      <a:headEnd type="none" w="med" len="med"/>
+                      <a:tailEnd type="none" w="med" len="med"/>
+                    </a:lnB>
+                    <a:solidFill>
+                      <a:schemeClr val="bg1"/>
+                    </a:solidFill>
+                  </a:tcPr>
+                </a:tc>
+                <a:extLst>
+                  <a:ext uri="{0D108BD9-81ED-4DB2-BD59-A6C34878D82A}">
+                    <a16:rowId xmlns:a16="http://schemas.microsoft.com/office/drawing/2014/main" val="1653068632"/>
+                  </a:ext>
+                </a:extLst>
+              </a:tr>
+              <a:tr h="732367">
+                <a:tc>
+                  <a:txBody>
+                    <a:bodyPr/>
+                    <a:lstStyle/>
+                    <a:p>
+                      <a:pPr marL="0" algn="l" defTabSz="914400" rtl="0" eaLnBrk="1" latinLnBrk="0" hangingPunct="1"/>
+                      <a:endParaRPr lang="pt-BR" sz="1800" b="1" kern="1200" dirty="0">
+                        <a:solidFill>
+                          <a:schemeClr val="lt1"/>
+                        </a:solidFill>
+                        <a:latin typeface="+mn-lt"/>
+                        <a:ea typeface="+mn-ea"/>
+                        <a:cs typeface="+mn-cs"/>
+                      </a:endParaRPr>
+                    </a:p>
+                  </a:txBody>
+                  <a:tcPr>
+                    <a:lnL w="12700" cap="flat" cmpd="sng" algn="ctr">
+                      <a:noFill/>
+                      <a:prstDash val="solid"/>
+                      <a:round/>
+                      <a:headEnd type="none" w="med" len="med"/>
+                      <a:tailEnd type="none" w="med" len="med"/>
+                    </a:lnL>
+                    <a:lnR w="12700" cap="flat" cmpd="sng" algn="ctr">
+                      <a:solidFill>
+                        <a:schemeClr val="tx1"/>
+                      </a:solidFill>
+                      <a:prstDash val="solid"/>
+                      <a:round/>
+                      <a:headEnd type="none" w="med" len="med"/>
+                      <a:tailEnd type="none" w="med" len="med"/>
+                    </a:lnR>
+                    <a:lnT w="12700" cap="flat" cmpd="sng" algn="ctr">
+                      <a:noFill/>
+                      <a:prstDash val="solid"/>
+                      <a:round/>
+                      <a:headEnd type="none" w="med" len="med"/>
+                      <a:tailEnd type="none" w="med" len="med"/>
+                    </a:lnT>
+                    <a:lnB w="12700" cap="flat" cmpd="sng" algn="ctr">
+                      <a:noFill/>
+                      <a:prstDash val="solid"/>
+                      <a:round/>
+                      <a:headEnd type="none" w="med" len="med"/>
+                      <a:tailEnd type="none" w="med" len="med"/>
+                    </a:lnB>
+                    <a:noFill/>
+                  </a:tcPr>
+                </a:tc>
+                <a:tc>
+                  <a:txBody>
+                    <a:bodyPr/>
+                    <a:lstStyle/>
+                    <a:p>
+                      <a:pPr marL="0" algn="l" defTabSz="914400" rtl="0" eaLnBrk="1" latinLnBrk="0" hangingPunct="1"/>
+                      <a:r>
+                        <a:rPr lang="pt-BR" b="1" dirty="0" err="1"/>
+                        <a:t>Value</a:t>
+                      </a:r>
+                      <a:r>
+                        <a:rPr lang="pt-BR" b="1" dirty="0"/>
+                        <a:t>: </a:t>
+                      </a:r>
+                      <a:r>
+                        <a:rPr lang="pt-BR" b="0" dirty="0" err="1"/>
+                        <a:t>Value</a:t>
+                      </a:r>
+                      <a:r>
+                        <a:rPr lang="pt-BR" b="0" dirty="0"/>
+                        <a:t> </a:t>
+                      </a:r>
+                      <a:r>
+                        <a:rPr lang="pt-BR" b="0" dirty="0" err="1"/>
+                        <a:t>aggregation</a:t>
+                      </a:r>
+                      <a:r>
+                        <a:rPr lang="pt-BR" b="0" dirty="0"/>
+                        <a:t> </a:t>
+                      </a:r>
+                      <a:r>
+                        <a:rPr lang="pt-BR" b="0" dirty="0" err="1"/>
+                        <a:t>mindset</a:t>
+                      </a:r>
+                      <a:endParaRPr lang="pt-BR" sz="1800" b="0" kern="1200" dirty="0">
+                        <a:solidFill>
+                          <a:schemeClr val="tx1"/>
+                        </a:solidFill>
+                        <a:latin typeface="+mn-lt"/>
+                        <a:ea typeface="+mn-ea"/>
+                        <a:cs typeface="+mn-cs"/>
+                      </a:endParaRPr>
+                    </a:p>
+                  </a:txBody>
+                  <a:tcPr anchor="ctr">
+                    <a:lnL w="12700" cap="flat" cmpd="sng" algn="ctr">
+                      <a:solidFill>
+                        <a:schemeClr val="tx1"/>
+                      </a:solidFill>
+                      <a:prstDash val="solid"/>
+                      <a:round/>
+                      <a:headEnd type="none" w="med" len="med"/>
+                      <a:tailEnd type="none" w="med" len="med"/>
+                    </a:lnL>
+                    <a:lnR w="12700" cap="flat" cmpd="sng" algn="ctr">
+                      <a:solidFill>
+                        <a:schemeClr val="tx1"/>
+                      </a:solidFill>
+                      <a:prstDash val="solid"/>
+                      <a:round/>
+                      <a:headEnd type="none" w="med" len="med"/>
+                      <a:tailEnd type="none" w="med" len="med"/>
+                    </a:lnR>
+                    <a:lnT w="12700" cap="flat" cmpd="sng" algn="ctr">
+                      <a:solidFill>
+                        <a:schemeClr val="tx1"/>
+                      </a:solidFill>
+                      <a:prstDash val="solid"/>
+                      <a:round/>
+                      <a:headEnd type="none" w="med" len="med"/>
+                      <a:tailEnd type="none" w="med" len="med"/>
+                    </a:lnT>
+                    <a:lnB w="12700" cap="flat" cmpd="sng" algn="ctr">
+                      <a:solidFill>
+                        <a:schemeClr val="tx1"/>
+                      </a:solidFill>
+                      <a:prstDash val="solid"/>
+                      <a:round/>
+                      <a:headEnd type="none" w="med" len="med"/>
+                      <a:tailEnd type="none" w="med" len="med"/>
+                    </a:lnB>
+                    <a:solidFill>
+                      <a:schemeClr val="bg1"/>
+                    </a:solidFill>
+                  </a:tcPr>
+                </a:tc>
+                <a:extLst>
+                  <a:ext uri="{0D108BD9-81ED-4DB2-BD59-A6C34878D82A}">
+                    <a16:rowId xmlns:a16="http://schemas.microsoft.com/office/drawing/2014/main" val="311707270"/>
+                  </a:ext>
+                </a:extLst>
+              </a:tr>
+              <a:tr h="749300">
+                <a:tc>
+                  <a:txBody>
+                    <a:bodyPr/>
+                    <a:lstStyle/>
+                    <a:p>
+                      <a:pPr marL="0" algn="l" defTabSz="914400" rtl="0" eaLnBrk="1" latinLnBrk="0" hangingPunct="1"/>
+                      <a:endParaRPr lang="pt-BR" sz="1800" b="1" kern="1200" dirty="0">
+                        <a:solidFill>
+                          <a:schemeClr val="lt1"/>
+                        </a:solidFill>
+                        <a:latin typeface="+mn-lt"/>
+                        <a:ea typeface="+mn-ea"/>
+                        <a:cs typeface="+mn-cs"/>
+                      </a:endParaRPr>
+                    </a:p>
+                  </a:txBody>
+                  <a:tcPr>
+                    <a:lnL w="12700" cap="flat" cmpd="sng" algn="ctr">
+                      <a:noFill/>
+                      <a:prstDash val="solid"/>
+                      <a:round/>
+                      <a:headEnd type="none" w="med" len="med"/>
+                      <a:tailEnd type="none" w="med" len="med"/>
+                    </a:lnL>
+                    <a:lnR w="12700" cap="flat" cmpd="sng" algn="ctr">
+                      <a:solidFill>
+                        <a:schemeClr val="tx1"/>
+                      </a:solidFill>
+                      <a:prstDash val="solid"/>
+                      <a:round/>
+                      <a:headEnd type="none" w="med" len="med"/>
+                      <a:tailEnd type="none" w="med" len="med"/>
+                    </a:lnR>
+                    <a:lnT w="12700" cap="flat" cmpd="sng" algn="ctr">
+                      <a:noFill/>
+                      <a:prstDash val="solid"/>
+                      <a:round/>
+                      <a:headEnd type="none" w="med" len="med"/>
+                      <a:tailEnd type="none" w="med" len="med"/>
+                    </a:lnT>
+                    <a:lnB w="12700" cap="flat" cmpd="sng" algn="ctr">
+                      <a:noFill/>
+                      <a:prstDash val="solid"/>
+                      <a:round/>
+                      <a:headEnd type="none" w="med" len="med"/>
+                      <a:tailEnd type="none" w="med" len="med"/>
+                    </a:lnB>
+                    <a:noFill/>
+                  </a:tcPr>
+                </a:tc>
+                <a:tc>
+                  <a:txBody>
+                    <a:bodyPr/>
+                    <a:lstStyle/>
+                    <a:p>
+                      <a:pPr marL="0" algn="l" defTabSz="914400" rtl="0" eaLnBrk="1" latinLnBrk="0" hangingPunct="1"/>
+                      <a:r>
+                        <a:rPr lang="pt-BR" b="1" dirty="0" err="1"/>
+                        <a:t>Estimate</a:t>
+                      </a:r>
+                      <a:r>
+                        <a:rPr lang="pt-BR" b="1" dirty="0"/>
+                        <a:t>: </a:t>
+                      </a:r>
+                      <a:r>
+                        <a:rPr lang="pt-BR" b="0" dirty="0" err="1"/>
+                        <a:t>Permit</a:t>
+                      </a:r>
+                      <a:r>
+                        <a:rPr lang="pt-BR" b="0" dirty="0"/>
+                        <a:t> </a:t>
+                      </a:r>
+                      <a:r>
+                        <a:rPr lang="pt-BR" b="0" dirty="0" err="1"/>
+                        <a:t>to</a:t>
+                      </a:r>
+                      <a:r>
+                        <a:rPr lang="pt-BR" b="0" dirty="0"/>
+                        <a:t> </a:t>
+                      </a:r>
+                      <a:r>
+                        <a:rPr lang="pt-BR" b="0" dirty="0" err="1"/>
+                        <a:t>estimate</a:t>
+                      </a:r>
+                      <a:r>
+                        <a:rPr lang="pt-BR" b="0" dirty="0"/>
+                        <a:t> </a:t>
+                      </a:r>
+                      <a:r>
+                        <a:rPr lang="pt-BR" b="0" dirty="0" err="1"/>
+                        <a:t>the</a:t>
+                      </a:r>
+                      <a:r>
+                        <a:rPr lang="pt-BR" b="0" dirty="0"/>
+                        <a:t> </a:t>
+                      </a:r>
+                      <a:r>
+                        <a:rPr lang="pt-BR" b="0" dirty="0" err="1"/>
+                        <a:t>size</a:t>
+                      </a:r>
+                      <a:endParaRPr lang="pt-BR" sz="1800" b="0" kern="1200" dirty="0">
+                        <a:solidFill>
+                          <a:schemeClr val="tx1"/>
+                        </a:solidFill>
+                        <a:latin typeface="+mn-lt"/>
+                        <a:ea typeface="+mn-ea"/>
+                        <a:cs typeface="+mn-cs"/>
+                      </a:endParaRPr>
+                    </a:p>
+                  </a:txBody>
+                  <a:tcPr anchor="ctr">
+                    <a:lnL w="12700" cap="flat" cmpd="sng" algn="ctr">
+                      <a:solidFill>
+                        <a:schemeClr val="tx1"/>
+                      </a:solidFill>
+                      <a:prstDash val="solid"/>
+                      <a:round/>
+                      <a:headEnd type="none" w="med" len="med"/>
+                      <a:tailEnd type="none" w="med" len="med"/>
+                    </a:lnL>
+                    <a:lnR w="12700" cap="flat" cmpd="sng" algn="ctr">
+                      <a:solidFill>
+                        <a:schemeClr val="tx1"/>
+                      </a:solidFill>
+                      <a:prstDash val="solid"/>
+                      <a:round/>
+                      <a:headEnd type="none" w="med" len="med"/>
+                      <a:tailEnd type="none" w="med" len="med"/>
+                    </a:lnR>
+                    <a:lnT w="12700" cap="flat" cmpd="sng" algn="ctr">
+                      <a:solidFill>
+                        <a:schemeClr val="tx1"/>
+                      </a:solidFill>
+                      <a:prstDash val="solid"/>
+                      <a:round/>
+                      <a:headEnd type="none" w="med" len="med"/>
+                      <a:tailEnd type="none" w="med" len="med"/>
+                    </a:lnT>
+                    <a:lnB w="12700" cap="flat" cmpd="sng" algn="ctr">
+                      <a:solidFill>
+                        <a:schemeClr val="tx1"/>
+                      </a:solidFill>
+                      <a:prstDash val="solid"/>
+                      <a:round/>
+                      <a:headEnd type="none" w="med" len="med"/>
+                      <a:tailEnd type="none" w="med" len="med"/>
+                    </a:lnB>
+                    <a:solidFill>
+                      <a:schemeClr val="bg1"/>
+                    </a:solidFill>
+                  </a:tcPr>
+                </a:tc>
+                <a:extLst>
+                  <a:ext uri="{0D108BD9-81ED-4DB2-BD59-A6C34878D82A}">
+                    <a16:rowId xmlns:a16="http://schemas.microsoft.com/office/drawing/2014/main" val="564056680"/>
+                  </a:ext>
+                </a:extLst>
+              </a:tr>
+              <a:tr h="702733">
+                <a:tc>
+                  <a:txBody>
+                    <a:bodyPr/>
+                    <a:lstStyle/>
+                    <a:p>
+                      <a:pPr marL="0" algn="l" defTabSz="914400" rtl="0" eaLnBrk="1" latinLnBrk="0" hangingPunct="1"/>
+                      <a:endParaRPr lang="pt-BR" sz="1800" b="1" kern="1200" dirty="0">
+                        <a:solidFill>
+                          <a:schemeClr val="lt1"/>
+                        </a:solidFill>
+                        <a:latin typeface="+mn-lt"/>
+                        <a:ea typeface="+mn-ea"/>
+                        <a:cs typeface="+mn-cs"/>
+                      </a:endParaRPr>
+                    </a:p>
+                  </a:txBody>
+                  <a:tcPr>
+                    <a:lnL w="12700" cap="flat" cmpd="sng" algn="ctr">
+                      <a:noFill/>
+                      <a:prstDash val="solid"/>
+                      <a:round/>
+                      <a:headEnd type="none" w="med" len="med"/>
+                      <a:tailEnd type="none" w="med" len="med"/>
+                    </a:lnL>
+                    <a:lnR w="12700" cap="flat" cmpd="sng" algn="ctr">
+                      <a:solidFill>
+                        <a:schemeClr val="tx1"/>
+                      </a:solidFill>
+                      <a:prstDash val="solid"/>
+                      <a:round/>
+                      <a:headEnd type="none" w="med" len="med"/>
+                      <a:tailEnd type="none" w="med" len="med"/>
+                    </a:lnR>
+                    <a:lnT w="12700" cap="flat" cmpd="sng" algn="ctr">
+                      <a:noFill/>
+                      <a:prstDash val="solid"/>
+                      <a:round/>
+                      <a:headEnd type="none" w="med" len="med"/>
+                      <a:tailEnd type="none" w="med" len="med"/>
+                    </a:lnT>
+                    <a:lnB w="12700" cap="flat" cmpd="sng" algn="ctr">
+                      <a:noFill/>
+                      <a:prstDash val="solid"/>
+                      <a:round/>
+                      <a:headEnd type="none" w="med" len="med"/>
+                      <a:tailEnd type="none" w="med" len="med"/>
+                    </a:lnB>
+                    <a:noFill/>
+                  </a:tcPr>
+                </a:tc>
+                <a:tc>
+                  <a:txBody>
+                    <a:bodyPr/>
+                    <a:lstStyle/>
+                    <a:p>
+                      <a:pPr marL="0" algn="l" defTabSz="914400" rtl="0" eaLnBrk="1" latinLnBrk="0" hangingPunct="1"/>
+                      <a:r>
+                        <a:rPr lang="pt-BR" sz="1800" b="1" kern="1200" dirty="0" err="1">
+                          <a:solidFill>
+                            <a:schemeClr val="dk1"/>
+                          </a:solidFill>
+                          <a:latin typeface="+mn-lt"/>
+                          <a:ea typeface="+mn-ea"/>
+                          <a:cs typeface="+mn-cs"/>
+                        </a:rPr>
+                        <a:t>Succinct</a:t>
+                      </a:r>
+                      <a:r>
+                        <a:rPr lang="pt-BR" sz="1800" b="1" kern="1200" dirty="0">
+                          <a:solidFill>
+                            <a:schemeClr val="dk1"/>
+                          </a:solidFill>
+                          <a:latin typeface="+mn-lt"/>
+                          <a:ea typeface="+mn-ea"/>
+                          <a:cs typeface="+mn-cs"/>
+                        </a:rPr>
+                        <a:t>: </a:t>
+                      </a:r>
+                      <a:r>
+                        <a:rPr lang="en-US" sz="1800" b="0" kern="1200" dirty="0">
+                          <a:solidFill>
+                            <a:schemeClr val="dk1"/>
+                          </a:solidFill>
+                          <a:latin typeface="+mn-lt"/>
+                          <a:ea typeface="+mn-ea"/>
+                          <a:cs typeface="+mn-cs"/>
+                        </a:rPr>
+                        <a:t>To be succinct to facilitate the understanding</a:t>
+                      </a:r>
+                      <a:endParaRPr lang="pt-BR" sz="1800" b="0" kern="1200" dirty="0">
+                        <a:solidFill>
+                          <a:schemeClr val="dk1"/>
+                        </a:solidFill>
+                        <a:latin typeface="+mn-lt"/>
+                        <a:ea typeface="+mn-ea"/>
+                        <a:cs typeface="+mn-cs"/>
+                      </a:endParaRPr>
+                    </a:p>
+                  </a:txBody>
+                  <a:tcPr anchor="ctr">
+                    <a:lnL w="12700" cap="flat" cmpd="sng" algn="ctr">
+                      <a:solidFill>
+                        <a:schemeClr val="tx1"/>
+                      </a:solidFill>
+                      <a:prstDash val="solid"/>
+                      <a:round/>
+                      <a:headEnd type="none" w="med" len="med"/>
+                      <a:tailEnd type="none" w="med" len="med"/>
+                    </a:lnL>
+                    <a:lnR w="12700" cap="flat" cmpd="sng" algn="ctr">
+                      <a:solidFill>
+                        <a:schemeClr val="tx1"/>
+                      </a:solidFill>
+                      <a:prstDash val="solid"/>
+                      <a:round/>
+                      <a:headEnd type="none" w="med" len="med"/>
+                      <a:tailEnd type="none" w="med" len="med"/>
+                    </a:lnR>
+                    <a:lnT w="12700" cap="flat" cmpd="sng" algn="ctr">
+                      <a:solidFill>
+                        <a:schemeClr val="tx1"/>
+                      </a:solidFill>
+                      <a:prstDash val="solid"/>
+                      <a:round/>
+                      <a:headEnd type="none" w="med" len="med"/>
+                      <a:tailEnd type="none" w="med" len="med"/>
+                    </a:lnT>
+                    <a:lnB w="12700" cap="flat" cmpd="sng" algn="ctr">
+                      <a:solidFill>
+                        <a:schemeClr val="tx1"/>
+                      </a:solidFill>
+                      <a:prstDash val="solid"/>
+                      <a:round/>
+                      <a:headEnd type="none" w="med" len="med"/>
+                      <a:tailEnd type="none" w="med" len="med"/>
+                    </a:lnB>
+                    <a:solidFill>
+                      <a:schemeClr val="bg1"/>
+                    </a:solidFill>
+                  </a:tcPr>
+                </a:tc>
+                <a:extLst>
+                  <a:ext uri="{0D108BD9-81ED-4DB2-BD59-A6C34878D82A}">
+                    <a16:rowId xmlns:a16="http://schemas.microsoft.com/office/drawing/2014/main" val="4023406479"/>
+                  </a:ext>
+                </a:extLst>
+              </a:tr>
+              <a:tr h="723900">
+                <a:tc>
+                  <a:txBody>
+                    <a:bodyPr/>
+                    <a:lstStyle/>
+                    <a:p>
+                      <a:pPr marL="0" algn="l" defTabSz="914400" rtl="0" eaLnBrk="1" latinLnBrk="0" hangingPunct="1"/>
+                      <a:endParaRPr lang="pt-BR" sz="1800" b="1" kern="1200" dirty="0">
+                        <a:solidFill>
+                          <a:schemeClr val="lt1"/>
+                        </a:solidFill>
+                        <a:latin typeface="+mn-lt"/>
+                        <a:ea typeface="+mn-ea"/>
+                        <a:cs typeface="+mn-cs"/>
+                      </a:endParaRPr>
+                    </a:p>
+                  </a:txBody>
+                  <a:tcPr>
+                    <a:lnL w="12700" cap="flat" cmpd="sng" algn="ctr">
+                      <a:noFill/>
+                      <a:prstDash val="solid"/>
+                      <a:round/>
+                      <a:headEnd type="none" w="med" len="med"/>
+                      <a:tailEnd type="none" w="med" len="med"/>
+                    </a:lnL>
+                    <a:lnR w="12700" cap="flat" cmpd="sng" algn="ctr">
+                      <a:solidFill>
+                        <a:schemeClr val="tx1"/>
+                      </a:solidFill>
+                      <a:prstDash val="solid"/>
+                      <a:round/>
+                      <a:headEnd type="none" w="med" len="med"/>
+                      <a:tailEnd type="none" w="med" len="med"/>
+                    </a:lnR>
+                    <a:lnT w="12700" cap="flat" cmpd="sng" algn="ctr">
+                      <a:noFill/>
+                      <a:prstDash val="solid"/>
+                      <a:round/>
+                      <a:headEnd type="none" w="med" len="med"/>
+                      <a:tailEnd type="none" w="med" len="med"/>
+                    </a:lnT>
+                    <a:lnB w="12700" cap="flat" cmpd="sng" algn="ctr">
+                      <a:noFill/>
+                      <a:prstDash val="solid"/>
+                      <a:round/>
+                      <a:headEnd type="none" w="med" len="med"/>
+                      <a:tailEnd type="none" w="med" len="med"/>
+                    </a:lnB>
+                    <a:noFill/>
+                  </a:tcPr>
+                </a:tc>
+                <a:tc>
+                  <a:txBody>
+                    <a:bodyPr/>
+                    <a:lstStyle/>
+                    <a:p>
+                      <a:pPr marL="0" algn="l" defTabSz="914400" rtl="0" eaLnBrk="1" latinLnBrk="0" hangingPunct="1"/>
+                      <a:r>
+                        <a:rPr lang="pt-BR" sz="1800" b="1" kern="1200" dirty="0" err="1">
+                          <a:solidFill>
+                            <a:schemeClr val="dk1"/>
+                          </a:solidFill>
+                          <a:latin typeface="+mn-lt"/>
+                          <a:ea typeface="+mn-ea"/>
+                          <a:cs typeface="+mn-cs"/>
+                        </a:rPr>
+                        <a:t>Testable</a:t>
+                      </a:r>
+                      <a:r>
+                        <a:rPr lang="pt-BR" sz="1800" b="1" kern="1200" dirty="0">
+                          <a:solidFill>
+                            <a:schemeClr val="dk1"/>
+                          </a:solidFill>
+                          <a:latin typeface="+mn-lt"/>
+                          <a:ea typeface="+mn-ea"/>
+                          <a:cs typeface="+mn-cs"/>
+                        </a:rPr>
+                        <a:t>: </a:t>
+                      </a:r>
+                      <a:r>
+                        <a:rPr lang="pt-BR" sz="1800" b="0" kern="1200" dirty="0" err="1">
+                          <a:solidFill>
+                            <a:schemeClr val="dk1"/>
+                          </a:solidFill>
+                          <a:latin typeface="+mn-lt"/>
+                          <a:ea typeface="+mn-ea"/>
+                          <a:cs typeface="+mn-cs"/>
+                        </a:rPr>
+                        <a:t>To</a:t>
+                      </a:r>
+                      <a:r>
+                        <a:rPr lang="pt-BR" sz="1800" b="0" kern="1200" dirty="0">
+                          <a:solidFill>
+                            <a:schemeClr val="dk1"/>
+                          </a:solidFill>
+                          <a:latin typeface="+mn-lt"/>
+                          <a:ea typeface="+mn-ea"/>
+                          <a:cs typeface="+mn-cs"/>
+                        </a:rPr>
+                        <a:t> </a:t>
+                      </a:r>
+                      <a:r>
+                        <a:rPr lang="pt-BR" sz="1800" b="0" kern="1200" dirty="0" err="1">
+                          <a:solidFill>
+                            <a:schemeClr val="dk1"/>
+                          </a:solidFill>
+                          <a:latin typeface="+mn-lt"/>
+                          <a:ea typeface="+mn-ea"/>
+                          <a:cs typeface="+mn-cs"/>
+                        </a:rPr>
+                        <a:t>be</a:t>
+                      </a:r>
+                      <a:r>
+                        <a:rPr lang="pt-BR" sz="1800" b="0" kern="1200" dirty="0">
+                          <a:solidFill>
+                            <a:schemeClr val="dk1"/>
+                          </a:solidFill>
+                          <a:latin typeface="+mn-lt"/>
+                          <a:ea typeface="+mn-ea"/>
+                          <a:cs typeface="+mn-cs"/>
+                        </a:rPr>
+                        <a:t> </a:t>
+                      </a:r>
+                      <a:r>
+                        <a:rPr lang="pt-BR" sz="1800" b="0" kern="1200" dirty="0" err="1">
+                          <a:solidFill>
+                            <a:schemeClr val="dk1"/>
+                          </a:solidFill>
+                          <a:latin typeface="+mn-lt"/>
+                          <a:ea typeface="+mn-ea"/>
+                          <a:cs typeface="+mn-cs"/>
+                        </a:rPr>
+                        <a:t>testable</a:t>
+                      </a:r>
+                      <a:r>
+                        <a:rPr lang="pt-BR" sz="1800" b="0" kern="1200" dirty="0">
+                          <a:solidFill>
+                            <a:schemeClr val="dk1"/>
+                          </a:solidFill>
+                          <a:latin typeface="+mn-lt"/>
+                          <a:ea typeface="+mn-ea"/>
+                          <a:cs typeface="+mn-cs"/>
+                        </a:rPr>
+                        <a:t> </a:t>
+                      </a:r>
+                      <a:r>
+                        <a:rPr lang="pt-BR" sz="1800" b="0" kern="1200" dirty="0" err="1">
+                          <a:solidFill>
+                            <a:schemeClr val="dk1"/>
+                          </a:solidFill>
+                          <a:latin typeface="+mn-lt"/>
+                          <a:ea typeface="+mn-ea"/>
+                          <a:cs typeface="+mn-cs"/>
+                        </a:rPr>
+                        <a:t>and</a:t>
+                      </a:r>
+                      <a:r>
+                        <a:rPr lang="pt-BR" sz="1800" b="0" kern="1200" dirty="0">
+                          <a:solidFill>
+                            <a:schemeClr val="dk1"/>
+                          </a:solidFill>
+                          <a:latin typeface="+mn-lt"/>
+                          <a:ea typeface="+mn-ea"/>
+                          <a:cs typeface="+mn-cs"/>
+                        </a:rPr>
+                        <a:t> </a:t>
+                      </a:r>
+                      <a:r>
+                        <a:rPr lang="pt-BR" sz="1800" b="0" kern="1200" dirty="0" err="1">
+                          <a:solidFill>
+                            <a:schemeClr val="dk1"/>
+                          </a:solidFill>
+                          <a:latin typeface="+mn-lt"/>
+                          <a:ea typeface="+mn-ea"/>
+                          <a:cs typeface="+mn-cs"/>
+                        </a:rPr>
+                        <a:t>permits</a:t>
+                      </a:r>
+                      <a:r>
+                        <a:rPr lang="pt-BR" sz="1800" b="0" kern="1200" dirty="0">
+                          <a:solidFill>
+                            <a:schemeClr val="dk1"/>
+                          </a:solidFill>
+                          <a:latin typeface="+mn-lt"/>
+                          <a:ea typeface="+mn-ea"/>
+                          <a:cs typeface="+mn-cs"/>
+                        </a:rPr>
+                        <a:t> </a:t>
+                      </a:r>
+                      <a:r>
+                        <a:rPr lang="pt-BR" sz="1800" b="0" kern="1200" dirty="0" err="1">
+                          <a:solidFill>
+                            <a:schemeClr val="dk1"/>
+                          </a:solidFill>
+                          <a:latin typeface="+mn-lt"/>
+                          <a:ea typeface="+mn-ea"/>
+                          <a:cs typeface="+mn-cs"/>
+                        </a:rPr>
+                        <a:t>objective</a:t>
+                      </a:r>
+                      <a:r>
+                        <a:rPr lang="pt-BR" sz="1800" b="0" kern="1200" dirty="0">
+                          <a:solidFill>
+                            <a:schemeClr val="dk1"/>
+                          </a:solidFill>
+                          <a:latin typeface="+mn-lt"/>
+                          <a:ea typeface="+mn-ea"/>
+                          <a:cs typeface="+mn-cs"/>
+                        </a:rPr>
+                        <a:t> </a:t>
+                      </a:r>
+                      <a:r>
+                        <a:rPr lang="pt-BR" sz="1800" b="0" kern="1200" dirty="0" err="1">
+                          <a:solidFill>
+                            <a:schemeClr val="dk1"/>
+                          </a:solidFill>
+                          <a:latin typeface="+mn-lt"/>
+                          <a:ea typeface="+mn-ea"/>
+                          <a:cs typeface="+mn-cs"/>
+                        </a:rPr>
+                        <a:t>acceptance</a:t>
+                      </a:r>
+                      <a:r>
+                        <a:rPr lang="pt-BR" sz="1800" b="0" kern="1200" dirty="0">
+                          <a:solidFill>
+                            <a:schemeClr val="dk1"/>
+                          </a:solidFill>
+                          <a:latin typeface="+mn-lt"/>
+                          <a:ea typeface="+mn-ea"/>
+                          <a:cs typeface="+mn-cs"/>
+                        </a:rPr>
+                        <a:t> </a:t>
+                      </a:r>
+                      <a:r>
+                        <a:rPr lang="pt-BR" sz="1800" b="0" kern="1200" dirty="0" err="1">
+                          <a:solidFill>
+                            <a:schemeClr val="dk1"/>
+                          </a:solidFill>
+                          <a:latin typeface="+mn-lt"/>
+                          <a:ea typeface="+mn-ea"/>
+                          <a:cs typeface="+mn-cs"/>
+                        </a:rPr>
+                        <a:t>criteria</a:t>
+                      </a:r>
+                      <a:endParaRPr lang="pt-BR" sz="1800" b="0" kern="1200" dirty="0">
+                        <a:solidFill>
+                          <a:schemeClr val="dk1"/>
+                        </a:solidFill>
+                        <a:latin typeface="+mn-lt"/>
+                        <a:ea typeface="+mn-ea"/>
+                        <a:cs typeface="+mn-cs"/>
+                      </a:endParaRPr>
+                    </a:p>
+                  </a:txBody>
+                  <a:tcPr anchor="ctr">
+                    <a:lnL w="12700" cap="flat" cmpd="sng" algn="ctr">
+                      <a:solidFill>
+                        <a:schemeClr val="tx1"/>
+                      </a:solidFill>
+                      <a:prstDash val="solid"/>
+                      <a:round/>
+                      <a:headEnd type="none" w="med" len="med"/>
+                      <a:tailEnd type="none" w="med" len="med"/>
+                    </a:lnL>
+                    <a:lnR w="12700" cap="flat" cmpd="sng" algn="ctr">
+                      <a:solidFill>
+                        <a:schemeClr val="tx1"/>
+                      </a:solidFill>
+                      <a:prstDash val="solid"/>
+                      <a:round/>
+                      <a:headEnd type="none" w="med" len="med"/>
+                      <a:tailEnd type="none" w="med" len="med"/>
+                    </a:lnR>
+                    <a:lnT w="12700" cap="flat" cmpd="sng" algn="ctr">
+                      <a:solidFill>
+                        <a:schemeClr val="tx1"/>
+                      </a:solidFill>
+                      <a:prstDash val="solid"/>
+                      <a:round/>
+                      <a:headEnd type="none" w="med" len="med"/>
+                      <a:tailEnd type="none" w="med" len="med"/>
+                    </a:lnT>
+                    <a:lnB w="12700" cap="flat" cmpd="sng" algn="ctr">
+                      <a:solidFill>
+                        <a:schemeClr val="tx1"/>
+                      </a:solidFill>
+                      <a:prstDash val="solid"/>
+                      <a:round/>
+                      <a:headEnd type="none" w="med" len="med"/>
+                      <a:tailEnd type="none" w="med" len="med"/>
+                    </a:lnB>
+                    <a:solidFill>
+                      <a:schemeClr val="bg1"/>
+                    </a:solidFill>
+                  </a:tcPr>
+                </a:tc>
+                <a:extLst>
+                  <a:ext uri="{0D108BD9-81ED-4DB2-BD59-A6C34878D82A}">
+                    <a16:rowId xmlns:a16="http://schemas.microsoft.com/office/drawing/2014/main" val="883466456"/>
+                  </a:ext>
+                </a:extLst>
+              </a:tr>
+            </a:tbl>
+          </a:graphicData>
+        </a:graphic>
+      </p:graphicFrame>
+      <p:sp>
+        <p:nvSpPr>
+          <p:cNvPr id="6" name="Fluxograma: Conector 5">
+            <a:extLst>
+              <a:ext uri="{FF2B5EF4-FFF2-40B4-BE49-F238E27FC236}">
+                <a16:creationId xmlns:a16="http://schemas.microsoft.com/office/drawing/2014/main" id="{BA093849-97C1-EE03-0B95-447314B428CD}"/>
+              </a:ext>
+            </a:extLst>
+          </p:cNvPr>
+          <p:cNvSpPr/>
+          <p:nvPr/>
+        </p:nvSpPr>
+        <p:spPr>
+          <a:xfrm>
+            <a:off x="1136415" y="1152257"/>
+            <a:ext cx="612259" cy="612259"/>
+          </a:xfrm>
+          <a:prstGeom prst="flowChartConnector">
+            <a:avLst/>
+          </a:prstGeom>
+          <a:ln w="25400">
+            <a:solidFill>
+              <a:schemeClr val="tx1"/>
+            </a:solidFill>
+          </a:ln>
+        </p:spPr>
+        <p:style>
+          <a:lnRef idx="2">
+            <a:schemeClr val="accent1">
+              <a:shade val="15000"/>
+            </a:schemeClr>
+          </a:lnRef>
+          <a:fillRef idx="1">
+            <a:schemeClr val="accent1"/>
+          </a:fillRef>
+          <a:effectRef idx="0">
+            <a:schemeClr val="accent1"/>
+          </a:effectRef>
+          <a:fontRef idx="minor">
+            <a:schemeClr val="lt1"/>
+          </a:fontRef>
+        </p:style>
+        <p:txBody>
+          <a:bodyPr rtlCol="0" anchor="ctr"/>
+          <a:lstStyle/>
+          <a:p>
+            <a:pPr algn="ctr"/>
+            <a:r>
+              <a:rPr lang="pt-BR" sz="2400" dirty="0">
+                <a:latin typeface="Times New Roman" panose="02020603050405020304" pitchFamily="18" charset="0"/>
+                <a:cs typeface="Times New Roman" panose="02020603050405020304" pitchFamily="18" charset="0"/>
+              </a:rPr>
+              <a:t>I</a:t>
+            </a:r>
+          </a:p>
+        </p:txBody>
+      </p:sp>
+      <p:sp>
+        <p:nvSpPr>
+          <p:cNvPr id="8" name="Fluxograma: Conector 7">
+            <a:extLst>
+              <a:ext uri="{FF2B5EF4-FFF2-40B4-BE49-F238E27FC236}">
+                <a16:creationId xmlns:a16="http://schemas.microsoft.com/office/drawing/2014/main" id="{69E7E211-5890-16AC-8E1C-96D212E52B38}"/>
+              </a:ext>
+            </a:extLst>
+          </p:cNvPr>
+          <p:cNvSpPr/>
+          <p:nvPr/>
+        </p:nvSpPr>
+        <p:spPr>
+          <a:xfrm>
+            <a:off x="1136414" y="1862668"/>
+            <a:ext cx="612259" cy="612259"/>
+          </a:xfrm>
+          <a:prstGeom prst="flowChartConnector">
+            <a:avLst/>
+          </a:prstGeom>
+          <a:ln w="25400">
+            <a:solidFill>
+              <a:schemeClr val="tx1"/>
+            </a:solidFill>
+          </a:ln>
+        </p:spPr>
+        <p:style>
+          <a:lnRef idx="2">
+            <a:schemeClr val="accent1">
+              <a:shade val="15000"/>
+            </a:schemeClr>
+          </a:lnRef>
+          <a:fillRef idx="1">
+            <a:schemeClr val="accent1"/>
+          </a:fillRef>
+          <a:effectRef idx="0">
+            <a:schemeClr val="accent1"/>
+          </a:effectRef>
+          <a:fontRef idx="minor">
+            <a:schemeClr val="lt1"/>
+          </a:fontRef>
+        </p:style>
+        <p:txBody>
+          <a:bodyPr rtlCol="0" anchor="ctr"/>
+          <a:lstStyle/>
+          <a:p>
+            <a:pPr algn="ctr"/>
+            <a:r>
+              <a:rPr lang="pt-BR" sz="2400" dirty="0">
+                <a:latin typeface="Times New Roman" panose="02020603050405020304" pitchFamily="18" charset="0"/>
+                <a:cs typeface="Times New Roman" panose="02020603050405020304" pitchFamily="18" charset="0"/>
+              </a:rPr>
+              <a:t>N</a:t>
+            </a:r>
+          </a:p>
+        </p:txBody>
+      </p:sp>
+      <p:sp>
+        <p:nvSpPr>
+          <p:cNvPr id="9" name="Fluxograma: Conector 8">
+            <a:extLst>
+              <a:ext uri="{FF2B5EF4-FFF2-40B4-BE49-F238E27FC236}">
+                <a16:creationId xmlns:a16="http://schemas.microsoft.com/office/drawing/2014/main" id="{C8D1F365-12CD-1D26-307D-2A519C6EDFB5}"/>
+              </a:ext>
+            </a:extLst>
+          </p:cNvPr>
+          <p:cNvSpPr/>
+          <p:nvPr/>
+        </p:nvSpPr>
+        <p:spPr>
+          <a:xfrm>
+            <a:off x="1136414" y="2567516"/>
+            <a:ext cx="612259" cy="612259"/>
+          </a:xfrm>
+          <a:prstGeom prst="flowChartConnector">
+            <a:avLst/>
+          </a:prstGeom>
+          <a:ln w="25400">
+            <a:solidFill>
+              <a:schemeClr val="tx1"/>
+            </a:solidFill>
+          </a:ln>
+        </p:spPr>
+        <p:style>
+          <a:lnRef idx="2">
+            <a:schemeClr val="accent1">
+              <a:shade val="15000"/>
+            </a:schemeClr>
+          </a:lnRef>
+          <a:fillRef idx="1">
+            <a:schemeClr val="accent1"/>
+          </a:fillRef>
+          <a:effectRef idx="0">
+            <a:schemeClr val="accent1"/>
+          </a:effectRef>
+          <a:fontRef idx="minor">
+            <a:schemeClr val="lt1"/>
+          </a:fontRef>
+        </p:style>
+        <p:txBody>
+          <a:bodyPr rtlCol="0" anchor="ctr"/>
+          <a:lstStyle/>
+          <a:p>
+            <a:pPr algn="ctr"/>
+            <a:r>
+              <a:rPr lang="pt-BR" sz="2400" dirty="0">
+                <a:latin typeface="Times New Roman" panose="02020603050405020304" pitchFamily="18" charset="0"/>
+                <a:cs typeface="Times New Roman" panose="02020603050405020304" pitchFamily="18" charset="0"/>
+              </a:rPr>
+              <a:t>V</a:t>
+            </a:r>
+          </a:p>
+        </p:txBody>
+      </p:sp>
+      <p:sp>
+        <p:nvSpPr>
+          <p:cNvPr id="10" name="Fluxograma: Conector 9">
+            <a:extLst>
+              <a:ext uri="{FF2B5EF4-FFF2-40B4-BE49-F238E27FC236}">
+                <a16:creationId xmlns:a16="http://schemas.microsoft.com/office/drawing/2014/main" id="{7591CE80-EA63-92B0-EA42-9BAB15636ABC}"/>
+              </a:ext>
+            </a:extLst>
+          </p:cNvPr>
+          <p:cNvSpPr/>
+          <p:nvPr/>
+        </p:nvSpPr>
+        <p:spPr>
+          <a:xfrm>
+            <a:off x="1136413" y="3301995"/>
+            <a:ext cx="612259" cy="612259"/>
+          </a:xfrm>
+          <a:prstGeom prst="flowChartConnector">
+            <a:avLst/>
+          </a:prstGeom>
+          <a:ln w="25400">
+            <a:solidFill>
+              <a:schemeClr val="tx1"/>
+            </a:solidFill>
+          </a:ln>
+        </p:spPr>
+        <p:style>
+          <a:lnRef idx="2">
+            <a:schemeClr val="accent1">
+              <a:shade val="15000"/>
+            </a:schemeClr>
+          </a:lnRef>
+          <a:fillRef idx="1">
+            <a:schemeClr val="accent1"/>
+          </a:fillRef>
+          <a:effectRef idx="0">
+            <a:schemeClr val="accent1"/>
+          </a:effectRef>
+          <a:fontRef idx="minor">
+            <a:schemeClr val="lt1"/>
+          </a:fontRef>
+        </p:style>
+        <p:txBody>
+          <a:bodyPr rtlCol="0" anchor="ctr"/>
+          <a:lstStyle/>
+          <a:p>
+            <a:pPr algn="ctr"/>
+            <a:r>
+              <a:rPr lang="pt-BR" sz="2400" dirty="0">
+                <a:latin typeface="Times New Roman" panose="02020603050405020304" pitchFamily="18" charset="0"/>
+                <a:cs typeface="Times New Roman" panose="02020603050405020304" pitchFamily="18" charset="0"/>
+              </a:rPr>
+              <a:t>E</a:t>
+            </a:r>
+          </a:p>
+        </p:txBody>
+      </p:sp>
+      <p:sp>
+        <p:nvSpPr>
+          <p:cNvPr id="11" name="Fluxograma: Conector 10">
+            <a:extLst>
+              <a:ext uri="{FF2B5EF4-FFF2-40B4-BE49-F238E27FC236}">
+                <a16:creationId xmlns:a16="http://schemas.microsoft.com/office/drawing/2014/main" id="{66D9963B-E752-97AB-CC1D-F65C9BDC4397}"/>
+              </a:ext>
+            </a:extLst>
+          </p:cNvPr>
+          <p:cNvSpPr/>
+          <p:nvPr/>
+        </p:nvSpPr>
+        <p:spPr>
+          <a:xfrm>
+            <a:off x="1152557" y="4036474"/>
+            <a:ext cx="612259" cy="612259"/>
+          </a:xfrm>
+          <a:prstGeom prst="flowChartConnector">
+            <a:avLst/>
+          </a:prstGeom>
+          <a:ln w="25400">
+            <a:solidFill>
+              <a:schemeClr val="tx1"/>
+            </a:solidFill>
+          </a:ln>
+        </p:spPr>
+        <p:style>
+          <a:lnRef idx="2">
+            <a:schemeClr val="accent1">
+              <a:shade val="15000"/>
+            </a:schemeClr>
+          </a:lnRef>
+          <a:fillRef idx="1">
+            <a:schemeClr val="accent1"/>
+          </a:fillRef>
+          <a:effectRef idx="0">
+            <a:schemeClr val="accent1"/>
+          </a:effectRef>
+          <a:fontRef idx="minor">
+            <a:schemeClr val="lt1"/>
+          </a:fontRef>
+        </p:style>
+        <p:txBody>
+          <a:bodyPr rtlCol="0" anchor="ctr"/>
+          <a:lstStyle/>
+          <a:p>
+            <a:pPr algn="ctr"/>
+            <a:r>
+              <a:rPr lang="pt-BR" sz="2400" dirty="0">
+                <a:latin typeface="Times New Roman" panose="02020603050405020304" pitchFamily="18" charset="0"/>
+                <a:cs typeface="Times New Roman" panose="02020603050405020304" pitchFamily="18" charset="0"/>
+              </a:rPr>
+              <a:t>S</a:t>
+            </a:r>
+          </a:p>
+        </p:txBody>
+      </p:sp>
+      <p:sp>
+        <p:nvSpPr>
+          <p:cNvPr id="12" name="Fluxograma: Conector 11">
+            <a:extLst>
+              <a:ext uri="{FF2B5EF4-FFF2-40B4-BE49-F238E27FC236}">
+                <a16:creationId xmlns:a16="http://schemas.microsoft.com/office/drawing/2014/main" id="{5356C711-61B7-BC08-4DD4-F10C3F9F3B1F}"/>
+              </a:ext>
+            </a:extLst>
+          </p:cNvPr>
+          <p:cNvSpPr/>
+          <p:nvPr/>
+        </p:nvSpPr>
+        <p:spPr>
+          <a:xfrm>
+            <a:off x="1136412" y="4741322"/>
+            <a:ext cx="612259" cy="612259"/>
+          </a:xfrm>
+          <a:prstGeom prst="flowChartConnector">
+            <a:avLst/>
+          </a:prstGeom>
+          <a:ln w="25400">
+            <a:solidFill>
+              <a:schemeClr val="tx1"/>
+            </a:solidFill>
+          </a:ln>
+        </p:spPr>
+        <p:style>
+          <a:lnRef idx="2">
+            <a:schemeClr val="accent1">
+              <a:shade val="15000"/>
+            </a:schemeClr>
+          </a:lnRef>
+          <a:fillRef idx="1">
+            <a:schemeClr val="accent1"/>
+          </a:fillRef>
+          <a:effectRef idx="0">
+            <a:schemeClr val="accent1"/>
+          </a:effectRef>
+          <a:fontRef idx="minor">
+            <a:schemeClr val="lt1"/>
+          </a:fontRef>
+        </p:style>
+        <p:txBody>
+          <a:bodyPr rtlCol="0" anchor="ctr"/>
+          <a:lstStyle/>
+          <a:p>
+            <a:pPr algn="ctr"/>
+            <a:r>
+              <a:rPr lang="pt-BR" sz="2400" dirty="0">
+                <a:latin typeface="Times New Roman" panose="02020603050405020304" pitchFamily="18" charset="0"/>
+                <a:cs typeface="Times New Roman" panose="02020603050405020304" pitchFamily="18" charset="0"/>
+              </a:rPr>
+              <a:t>T</a:t>
+            </a:r>
+          </a:p>
+        </p:txBody>
+      </p:sp>
+    </p:spTree>
+    <p:extLst>
+      <p:ext uri="{BB962C8B-B14F-4D97-AF65-F5344CB8AC3E}">
+        <p14:creationId xmlns:p14="http://schemas.microsoft.com/office/powerpoint/2010/main" val="203861789"/>
+      </p:ext>
+    </p:extLst>
+  </p:cSld>
+  <p:clrMapOvr>
+    <a:masterClrMapping/>
+  </p:clrMapOvr>
+</p:sld>
+</file>
+
+<file path=ppt/slides/slide2.xml><?xml version="1.0" encoding="utf-8"?>
+<p:sld xmlns:a="http://schemas.openxmlformats.org/drawingml/2006/main" xmlns:r="http://schemas.openxmlformats.org/officeDocument/2006/relationships" xmlns:p="http://schemas.openxmlformats.org/presentationml/2006/main">
+  <p:cSld>
+    <p:spTree>
+      <p:nvGrpSpPr>
+        <p:cNvPr id="1" name=""/>
+        <p:cNvGrpSpPr/>
+        <p:nvPr/>
+      </p:nvGrpSpPr>
+      <p:grpSpPr>
+        <a:xfrm>
+          <a:off x="0" y="0"/>
+          <a:ext cx="0" cy="0"/>
+          <a:chOff x="0" y="0"/>
+          <a:chExt cx="0" cy="0"/>
+        </a:xfrm>
+      </p:grpSpPr>
+      <p:pic>
+        <p:nvPicPr>
+          <p:cNvPr id="3" name="Imagem 2">
+            <a:extLst>
+              <a:ext uri="{FF2B5EF4-FFF2-40B4-BE49-F238E27FC236}">
+                <a16:creationId xmlns:a16="http://schemas.microsoft.com/office/drawing/2014/main" id="{5FC8A8CD-7254-00B6-3824-0AE24141B85C}"/>
+              </a:ext>
+            </a:extLst>
+          </p:cNvPr>
+          <p:cNvPicPr>
+            <a:picLocks noChangeAspect="1"/>
+          </p:cNvPicPr>
+          <p:nvPr/>
+        </p:nvPicPr>
+        <p:blipFill>
+          <a:blip r:embed="rId2"/>
+          <a:stretch>
+            <a:fillRect/>
+          </a:stretch>
+        </p:blipFill>
+        <p:spPr>
+          <a:xfrm>
+            <a:off x="831647" y="1249491"/>
+            <a:ext cx="10528705" cy="4359018"/>
+          </a:xfrm>
+          <a:prstGeom prst="rect">
+            <a:avLst/>
+          </a:prstGeom>
+        </p:spPr>
+      </p:pic>
+    </p:spTree>
+    <p:extLst>
+      <p:ext uri="{BB962C8B-B14F-4D97-AF65-F5344CB8AC3E}">
+        <p14:creationId xmlns:p14="http://schemas.microsoft.com/office/powerpoint/2010/main" val="2020598302"/>
+      </p:ext>
+    </p:extLst>
+  </p:cSld>
+  <p:clrMapOvr>
+    <a:masterClrMapping/>
+  </p:clrMapOvr>
+</p:sld>
+</file>
+
+<file path=ppt/slides/slide3.xml><?xml version="1.0" encoding="utf-8"?>
+<p:sld xmlns:a="http://schemas.openxmlformats.org/drawingml/2006/main" xmlns:r="http://schemas.openxmlformats.org/officeDocument/2006/relationships" xmlns:p="http://schemas.openxmlformats.org/presentationml/2006/main">
+  <p:cSld>
+    <p:spTree>
+      <p:nvGrpSpPr>
+        <p:cNvPr id="1" name=""/>
+        <p:cNvGrpSpPr/>
+        <p:nvPr/>
+      </p:nvGrpSpPr>
+      <p:grpSpPr>
+        <a:xfrm>
+          <a:off x="0" y="0"/>
+          <a:ext cx="0" cy="0"/>
+          <a:chOff x="0" y="0"/>
+          <a:chExt cx="0" cy="0"/>
+        </a:xfrm>
+      </p:grpSpPr>
+      <p:graphicFrame>
+        <p:nvGraphicFramePr>
+          <p:cNvPr id="7" name="Tabela 6">
+            <a:extLst>
+              <a:ext uri="{FF2B5EF4-FFF2-40B4-BE49-F238E27FC236}">
+                <a16:creationId xmlns:a16="http://schemas.microsoft.com/office/drawing/2014/main" id="{CC7CC667-1B38-43F2-9655-F54D00E953CA}"/>
+              </a:ext>
+            </a:extLst>
+          </p:cNvPr>
+          <p:cNvGraphicFramePr>
+            <a:graphicFrameLocks noGrp="1"/>
+          </p:cNvGraphicFramePr>
+          <p:nvPr>
+            <p:extLst>
+              <p:ext uri="{D42A27DB-BD31-4B8C-83A1-F6EECF244321}">
+                <p14:modId xmlns:p14="http://schemas.microsoft.com/office/powerpoint/2010/main" val="448138707"/>
+              </p:ext>
+            </p:extLst>
+          </p:nvPr>
+        </p:nvGraphicFramePr>
+        <p:xfrm>
+          <a:off x="530262" y="1083736"/>
+          <a:ext cx="10447508" cy="4334933"/>
+        </p:xfrm>
+        <a:graphic>
+          <a:graphicData uri="http://schemas.openxmlformats.org/drawingml/2006/table">
+            <a:tbl>
+              <a:tblPr firstRow="1" bandRow="1">
+                <a:tableStyleId>{5C22544A-7EE6-4342-B048-85BDC9FD1C3A}</a:tableStyleId>
+              </a:tblPr>
+              <a:tblGrid>
+                <a:gridCol w="889001">
+                  <a:extLst>
+                    <a:ext uri="{9D8B030D-6E8A-4147-A177-3AD203B41FA5}">
+                      <a16:colId xmlns:a16="http://schemas.microsoft.com/office/drawing/2014/main" val="1043360793"/>
+                    </a:ext>
+                  </a:extLst>
+                </a:gridCol>
+                <a:gridCol w="9558507">
                   <a:extLst>
                     <a:ext uri="{9D8B030D-6E8A-4147-A177-3AD203B41FA5}">
                       <a16:colId xmlns:a16="http://schemas.microsoft.com/office/drawing/2014/main" val="650247764"/>
@@ -8077,1632 +9746,6 @@
           </a:p>
         </p:txBody>
       </p:sp>
-      <p:pic>
-        <p:nvPicPr>
-          <p:cNvPr id="13" name="Imagem 12">
-            <a:extLst>
-              <a:ext uri="{FF2B5EF4-FFF2-40B4-BE49-F238E27FC236}">
-                <a16:creationId xmlns:a16="http://schemas.microsoft.com/office/drawing/2014/main" id="{63686675-23A2-1D33-A7F2-002D7898EB46}"/>
-              </a:ext>
-            </a:extLst>
-          </p:cNvPr>
-          <p:cNvPicPr>
-            <a:picLocks noChangeAspect="1"/>
-          </p:cNvPicPr>
-          <p:nvPr/>
-        </p:nvPicPr>
-        <p:blipFill>
-          <a:blip r:embed="rId2"/>
-          <a:stretch>
-            <a:fillRect/>
-          </a:stretch>
-        </p:blipFill>
-        <p:spPr>
-          <a:xfrm>
-            <a:off x="6226614" y="1152257"/>
-            <a:ext cx="5791702" cy="4401693"/>
-          </a:xfrm>
-          <a:prstGeom prst="rect">
-            <a:avLst/>
-          </a:prstGeom>
-        </p:spPr>
-      </p:pic>
-    </p:spTree>
-    <p:extLst>
-      <p:ext uri="{BB962C8B-B14F-4D97-AF65-F5344CB8AC3E}">
-        <p14:creationId xmlns:p14="http://schemas.microsoft.com/office/powerpoint/2010/main" val="203861789"/>
-      </p:ext>
-    </p:extLst>
-  </p:cSld>
-  <p:clrMapOvr>
-    <a:masterClrMapping/>
-  </p:clrMapOvr>
-</p:sld>
-</file>
-
-<file path=ppt/slides/slide2.xml><?xml version="1.0" encoding="utf-8"?>
-<p:sld xmlns:a="http://schemas.openxmlformats.org/drawingml/2006/main" xmlns:r="http://schemas.openxmlformats.org/officeDocument/2006/relationships" xmlns:p="http://schemas.openxmlformats.org/presentationml/2006/main">
-  <p:cSld>
-    <p:spTree>
-      <p:nvGrpSpPr>
-        <p:cNvPr id="1" name=""/>
-        <p:cNvGrpSpPr/>
-        <p:nvPr/>
-      </p:nvGrpSpPr>
-      <p:grpSpPr>
-        <a:xfrm>
-          <a:off x="0" y="0"/>
-          <a:ext cx="0" cy="0"/>
-          <a:chOff x="0" y="0"/>
-          <a:chExt cx="0" cy="0"/>
-        </a:xfrm>
-      </p:grpSpPr>
-      <p:graphicFrame>
-        <p:nvGraphicFramePr>
-          <p:cNvPr id="7" name="Tabela 6">
-            <a:extLst>
-              <a:ext uri="{FF2B5EF4-FFF2-40B4-BE49-F238E27FC236}">
-                <a16:creationId xmlns:a16="http://schemas.microsoft.com/office/drawing/2014/main" id="{CC7CC667-1B38-43F2-9655-F54D00E953CA}"/>
-              </a:ext>
-            </a:extLst>
-          </p:cNvPr>
-          <p:cNvGraphicFramePr>
-            <a:graphicFrameLocks noGrp="1"/>
-          </p:cNvGraphicFramePr>
-          <p:nvPr>
-            <p:extLst>
-              <p:ext uri="{D42A27DB-BD31-4B8C-83A1-F6EECF244321}">
-                <p14:modId xmlns:p14="http://schemas.microsoft.com/office/powerpoint/2010/main" val="448138707"/>
-              </p:ext>
-            </p:extLst>
-          </p:nvPr>
-        </p:nvGraphicFramePr>
-        <p:xfrm>
-          <a:off x="530262" y="1083736"/>
-          <a:ext cx="10447508" cy="4334933"/>
-        </p:xfrm>
-        <a:graphic>
-          <a:graphicData uri="http://schemas.openxmlformats.org/drawingml/2006/table">
-            <a:tbl>
-              <a:tblPr firstRow="1" bandRow="1">
-                <a:tableStyleId>{5C22544A-7EE6-4342-B048-85BDC9FD1C3A}</a:tableStyleId>
-              </a:tblPr>
-              <a:tblGrid>
-                <a:gridCol w="889001">
-                  <a:extLst>
-                    <a:ext uri="{9D8B030D-6E8A-4147-A177-3AD203B41FA5}">
-                      <a16:colId xmlns:a16="http://schemas.microsoft.com/office/drawing/2014/main" val="1043360793"/>
-                    </a:ext>
-                  </a:extLst>
-                </a:gridCol>
-                <a:gridCol w="9558507">
-                  <a:extLst>
-                    <a:ext uri="{9D8B030D-6E8A-4147-A177-3AD203B41FA5}">
-                      <a16:colId xmlns:a16="http://schemas.microsoft.com/office/drawing/2014/main" val="650247764"/>
-                    </a:ext>
-                  </a:extLst>
-                </a:gridCol>
-              </a:tblGrid>
-              <a:tr h="745067">
-                <a:tc>
-                  <a:txBody>
-                    <a:bodyPr/>
-                    <a:lstStyle/>
-                    <a:p>
-                      <a:endParaRPr lang="pt-BR" dirty="0"/>
-                    </a:p>
-                  </a:txBody>
-                  <a:tcPr>
-                    <a:lnL w="12700" cap="flat" cmpd="sng" algn="ctr">
-                      <a:noFill/>
-                      <a:prstDash val="solid"/>
-                      <a:round/>
-                      <a:headEnd type="none" w="med" len="med"/>
-                      <a:tailEnd type="none" w="med" len="med"/>
-                    </a:lnL>
-                    <a:lnR w="12700" cap="flat" cmpd="sng" algn="ctr">
-                      <a:solidFill>
-                        <a:schemeClr val="tx1"/>
-                      </a:solidFill>
-                      <a:prstDash val="solid"/>
-                      <a:round/>
-                      <a:headEnd type="none" w="med" len="med"/>
-                      <a:tailEnd type="none" w="med" len="med"/>
-                    </a:lnR>
-                    <a:lnT w="12700" cap="flat" cmpd="sng" algn="ctr">
-                      <a:noFill/>
-                      <a:prstDash val="solid"/>
-                      <a:round/>
-                      <a:headEnd type="none" w="med" len="med"/>
-                      <a:tailEnd type="none" w="med" len="med"/>
-                    </a:lnT>
-                    <a:lnB w="12700" cap="flat" cmpd="sng" algn="ctr">
-                      <a:noFill/>
-                      <a:prstDash val="solid"/>
-                      <a:round/>
-                      <a:headEnd type="none" w="med" len="med"/>
-                      <a:tailEnd type="none" w="med" len="med"/>
-                    </a:lnB>
-                    <a:noFill/>
-                  </a:tcPr>
-                </a:tc>
-                <a:tc>
-                  <a:txBody>
-                    <a:bodyPr/>
-                    <a:lstStyle/>
-                    <a:p>
-                      <a:pPr algn="l"/>
-                      <a:r>
-                        <a:rPr lang="pt-BR" dirty="0" err="1">
-                          <a:solidFill>
-                            <a:schemeClr val="tx1"/>
-                          </a:solidFill>
-                        </a:rPr>
-                        <a:t>Inependet</a:t>
-                      </a:r>
-                      <a:r>
-                        <a:rPr lang="pt-BR" dirty="0">
-                          <a:solidFill>
-                            <a:schemeClr val="tx1"/>
-                          </a:solidFill>
-                        </a:rPr>
-                        <a:t>: </a:t>
-                      </a:r>
-                      <a:r>
-                        <a:rPr lang="pt-BR" b="0" dirty="0" err="1">
-                          <a:solidFill>
-                            <a:schemeClr val="tx1"/>
-                          </a:solidFill>
-                        </a:rPr>
-                        <a:t>Considering</a:t>
-                      </a:r>
-                      <a:r>
-                        <a:rPr lang="pt-BR" b="0" dirty="0">
-                          <a:solidFill>
-                            <a:schemeClr val="tx1"/>
-                          </a:solidFill>
-                        </a:rPr>
-                        <a:t> </a:t>
-                      </a:r>
-                      <a:r>
-                        <a:rPr lang="pt-BR" b="0" dirty="0" err="1">
-                          <a:solidFill>
-                            <a:schemeClr val="tx1"/>
-                          </a:solidFill>
-                        </a:rPr>
-                        <a:t>two</a:t>
-                      </a:r>
-                      <a:r>
-                        <a:rPr lang="pt-BR" b="0" dirty="0">
-                          <a:solidFill>
-                            <a:schemeClr val="tx1"/>
-                          </a:solidFill>
-                        </a:rPr>
-                        <a:t> stories X </a:t>
-                      </a:r>
-                      <a:r>
-                        <a:rPr lang="pt-BR" b="0" dirty="0" err="1">
-                          <a:solidFill>
-                            <a:schemeClr val="tx1"/>
-                          </a:solidFill>
-                        </a:rPr>
-                        <a:t>and</a:t>
-                      </a:r>
-                      <a:r>
-                        <a:rPr lang="pt-BR" b="0" dirty="0">
-                          <a:solidFill>
-                            <a:schemeClr val="tx1"/>
-                          </a:solidFill>
-                        </a:rPr>
-                        <a:t> Y, it </a:t>
-                      </a:r>
-                      <a:r>
-                        <a:rPr lang="pt-BR" b="0" dirty="0" err="1">
-                          <a:solidFill>
-                            <a:schemeClr val="tx1"/>
-                          </a:solidFill>
-                        </a:rPr>
-                        <a:t>has</a:t>
-                      </a:r>
-                      <a:r>
-                        <a:rPr lang="pt-BR" b="0" dirty="0">
-                          <a:solidFill>
-                            <a:schemeClr val="tx1"/>
-                          </a:solidFill>
-                        </a:rPr>
-                        <a:t> </a:t>
-                      </a:r>
-                      <a:r>
-                        <a:rPr lang="pt-BR" b="0" dirty="0" err="1">
-                          <a:solidFill>
-                            <a:schemeClr val="tx1"/>
-                          </a:solidFill>
-                        </a:rPr>
-                        <a:t>to</a:t>
-                      </a:r>
-                      <a:r>
-                        <a:rPr lang="pt-BR" b="0" dirty="0">
-                          <a:solidFill>
-                            <a:schemeClr val="tx1"/>
-                          </a:solidFill>
-                        </a:rPr>
-                        <a:t> </a:t>
-                      </a:r>
-                      <a:r>
-                        <a:rPr lang="pt-BR" b="0" dirty="0" err="1">
-                          <a:solidFill>
-                            <a:schemeClr val="tx1"/>
-                          </a:solidFill>
-                        </a:rPr>
-                        <a:t>be</a:t>
-                      </a:r>
-                      <a:r>
-                        <a:rPr lang="pt-BR" b="0" dirty="0">
-                          <a:solidFill>
-                            <a:schemeClr val="tx1"/>
-                          </a:solidFill>
-                        </a:rPr>
-                        <a:t> </a:t>
-                      </a:r>
-                      <a:r>
-                        <a:rPr lang="pt-BR" b="0" dirty="0" err="1">
-                          <a:solidFill>
-                            <a:schemeClr val="tx1"/>
-                          </a:solidFill>
-                        </a:rPr>
-                        <a:t>possible</a:t>
-                      </a:r>
-                      <a:r>
-                        <a:rPr lang="pt-BR" b="0" dirty="0">
-                          <a:solidFill>
-                            <a:schemeClr val="tx1"/>
-                          </a:solidFill>
-                        </a:rPr>
-                        <a:t> </a:t>
-                      </a:r>
-                      <a:r>
-                        <a:rPr lang="pt-BR" b="0" dirty="0" err="1">
-                          <a:solidFill>
-                            <a:schemeClr val="tx1"/>
-                          </a:solidFill>
-                        </a:rPr>
-                        <a:t>to</a:t>
-                      </a:r>
-                      <a:r>
-                        <a:rPr lang="pt-BR" b="0" dirty="0">
-                          <a:solidFill>
-                            <a:schemeClr val="tx1"/>
-                          </a:solidFill>
-                        </a:rPr>
-                        <a:t> </a:t>
-                      </a:r>
-                      <a:r>
-                        <a:rPr lang="pt-BR" b="0" dirty="0" err="1">
-                          <a:solidFill>
-                            <a:schemeClr val="tx1"/>
-                          </a:solidFill>
-                        </a:rPr>
-                        <a:t>implemnt</a:t>
-                      </a:r>
-                      <a:r>
-                        <a:rPr lang="pt-BR" b="0" dirty="0">
-                          <a:solidFill>
-                            <a:schemeClr val="tx1"/>
-                          </a:solidFill>
-                        </a:rPr>
-                        <a:t> </a:t>
-                      </a:r>
-                      <a:r>
-                        <a:rPr lang="pt-BR" b="0" dirty="0" err="1">
-                          <a:solidFill>
-                            <a:schemeClr val="tx1"/>
-                          </a:solidFill>
-                        </a:rPr>
-                        <a:t>them</a:t>
-                      </a:r>
-                      <a:r>
-                        <a:rPr lang="pt-BR" b="0" dirty="0">
-                          <a:solidFill>
-                            <a:schemeClr val="tx1"/>
-                          </a:solidFill>
-                        </a:rPr>
-                        <a:t> in </a:t>
-                      </a:r>
-                      <a:r>
-                        <a:rPr lang="pt-BR" b="0" dirty="0" err="1">
-                          <a:solidFill>
-                            <a:schemeClr val="tx1"/>
-                          </a:solidFill>
-                        </a:rPr>
-                        <a:t>any</a:t>
-                      </a:r>
-                      <a:r>
-                        <a:rPr lang="pt-BR" b="0" dirty="0">
-                          <a:solidFill>
-                            <a:schemeClr val="tx1"/>
-                          </a:solidFill>
-                        </a:rPr>
-                        <a:t> </a:t>
-                      </a:r>
-                      <a:r>
-                        <a:rPr lang="pt-BR" b="0" dirty="0" err="1">
-                          <a:solidFill>
-                            <a:schemeClr val="tx1"/>
-                          </a:solidFill>
-                        </a:rPr>
-                        <a:t>sequence</a:t>
-                      </a:r>
-                      <a:r>
-                        <a:rPr lang="pt-BR" b="0" dirty="0">
-                          <a:solidFill>
-                            <a:schemeClr val="tx1"/>
-                          </a:solidFill>
-                        </a:rPr>
-                        <a:t>.</a:t>
-                      </a:r>
-                    </a:p>
-                  </a:txBody>
-                  <a:tcPr anchor="ctr">
-                    <a:lnL w="12700" cap="flat" cmpd="sng" algn="ctr">
-                      <a:solidFill>
-                        <a:schemeClr val="tx1"/>
-                      </a:solidFill>
-                      <a:prstDash val="solid"/>
-                      <a:round/>
-                      <a:headEnd type="none" w="med" len="med"/>
-                      <a:tailEnd type="none" w="med" len="med"/>
-                    </a:lnL>
-                    <a:lnR w="12700" cap="flat" cmpd="sng" algn="ctr">
-                      <a:solidFill>
-                        <a:schemeClr val="tx1"/>
-                      </a:solidFill>
-                      <a:prstDash val="solid"/>
-                      <a:round/>
-                      <a:headEnd type="none" w="med" len="med"/>
-                      <a:tailEnd type="none" w="med" len="med"/>
-                    </a:lnR>
-                    <a:lnT w="12700" cap="flat" cmpd="sng" algn="ctr">
-                      <a:solidFill>
-                        <a:schemeClr val="tx1"/>
-                      </a:solidFill>
-                      <a:prstDash val="solid"/>
-                      <a:round/>
-                      <a:headEnd type="none" w="med" len="med"/>
-                      <a:tailEnd type="none" w="med" len="med"/>
-                    </a:lnT>
-                    <a:lnB w="12700" cap="flat" cmpd="sng" algn="ctr">
-                      <a:solidFill>
-                        <a:schemeClr val="tx1"/>
-                      </a:solidFill>
-                      <a:prstDash val="solid"/>
-                      <a:round/>
-                      <a:headEnd type="none" w="med" len="med"/>
-                      <a:tailEnd type="none" w="med" len="med"/>
-                    </a:lnB>
-                    <a:noFill/>
-                  </a:tcPr>
-                </a:tc>
-                <a:extLst>
-                  <a:ext uri="{0D108BD9-81ED-4DB2-BD59-A6C34878D82A}">
-                    <a16:rowId xmlns:a16="http://schemas.microsoft.com/office/drawing/2014/main" val="269353836"/>
-                  </a:ext>
-                </a:extLst>
-              </a:tr>
-              <a:tr h="681566">
-                <a:tc>
-                  <a:txBody>
-                    <a:bodyPr/>
-                    <a:lstStyle/>
-                    <a:p>
-                      <a:pPr marL="0" algn="l" defTabSz="914400" rtl="0" eaLnBrk="1" latinLnBrk="0" hangingPunct="1"/>
-                      <a:endParaRPr lang="pt-BR" sz="1800" b="1" kern="1200" dirty="0">
-                        <a:solidFill>
-                          <a:schemeClr val="lt1"/>
-                        </a:solidFill>
-                        <a:latin typeface="+mn-lt"/>
-                        <a:ea typeface="+mn-ea"/>
-                        <a:cs typeface="+mn-cs"/>
-                      </a:endParaRPr>
-                    </a:p>
-                  </a:txBody>
-                  <a:tcPr>
-                    <a:lnL w="12700" cap="flat" cmpd="sng" algn="ctr">
-                      <a:noFill/>
-                      <a:prstDash val="solid"/>
-                      <a:round/>
-                      <a:headEnd type="none" w="med" len="med"/>
-                      <a:tailEnd type="none" w="med" len="med"/>
-                    </a:lnL>
-                    <a:lnR w="12700" cap="flat" cmpd="sng" algn="ctr">
-                      <a:solidFill>
-                        <a:schemeClr val="tx1"/>
-                      </a:solidFill>
-                      <a:prstDash val="solid"/>
-                      <a:round/>
-                      <a:headEnd type="none" w="med" len="med"/>
-                      <a:tailEnd type="none" w="med" len="med"/>
-                    </a:lnR>
-                    <a:lnT w="12700" cap="flat" cmpd="sng" algn="ctr">
-                      <a:noFill/>
-                      <a:prstDash val="solid"/>
-                      <a:round/>
-                      <a:headEnd type="none" w="med" len="med"/>
-                      <a:tailEnd type="none" w="med" len="med"/>
-                    </a:lnT>
-                    <a:lnB w="12700" cap="flat" cmpd="sng" algn="ctr">
-                      <a:noFill/>
-                      <a:prstDash val="solid"/>
-                      <a:round/>
-                      <a:headEnd type="none" w="med" len="med"/>
-                      <a:tailEnd type="none" w="med" len="med"/>
-                    </a:lnB>
-                    <a:noFill/>
-                  </a:tcPr>
-                </a:tc>
-                <a:tc>
-                  <a:txBody>
-                    <a:bodyPr/>
-                    <a:lstStyle/>
-                    <a:p>
-                      <a:pPr marL="0" algn="l" defTabSz="914400" rtl="0" eaLnBrk="1" latinLnBrk="0" hangingPunct="1"/>
-                      <a:r>
-                        <a:rPr lang="pt-BR" b="1" dirty="0" err="1"/>
-                        <a:t>Negotiable</a:t>
-                      </a:r>
-                      <a:r>
-                        <a:rPr lang="pt-BR" b="1" dirty="0"/>
-                        <a:t>: </a:t>
-                      </a:r>
-                      <a:r>
-                        <a:rPr lang="en-US" b="0" dirty="0"/>
-                        <a:t>Conversation, conversation and... during iteration</a:t>
-                      </a:r>
-                      <a:endParaRPr lang="pt-BR" sz="1800" b="0" kern="1200" dirty="0">
-                        <a:solidFill>
-                          <a:schemeClr val="tx1"/>
-                        </a:solidFill>
-                        <a:latin typeface="+mn-lt"/>
-                        <a:ea typeface="+mn-ea"/>
-                        <a:cs typeface="+mn-cs"/>
-                      </a:endParaRPr>
-                    </a:p>
-                  </a:txBody>
-                  <a:tcPr anchor="ctr">
-                    <a:lnL w="12700" cap="flat" cmpd="sng" algn="ctr">
-                      <a:solidFill>
-                        <a:schemeClr val="tx1"/>
-                      </a:solidFill>
-                      <a:prstDash val="solid"/>
-                      <a:round/>
-                      <a:headEnd type="none" w="med" len="med"/>
-                      <a:tailEnd type="none" w="med" len="med"/>
-                    </a:lnL>
-                    <a:lnR w="12700" cap="flat" cmpd="sng" algn="ctr">
-                      <a:solidFill>
-                        <a:schemeClr val="tx1"/>
-                      </a:solidFill>
-                      <a:prstDash val="solid"/>
-                      <a:round/>
-                      <a:headEnd type="none" w="med" len="med"/>
-                      <a:tailEnd type="none" w="med" len="med"/>
-                    </a:lnR>
-                    <a:lnT w="12700" cap="flat" cmpd="sng" algn="ctr">
-                      <a:solidFill>
-                        <a:schemeClr val="tx1"/>
-                      </a:solidFill>
-                      <a:prstDash val="solid"/>
-                      <a:round/>
-                      <a:headEnd type="none" w="med" len="med"/>
-                      <a:tailEnd type="none" w="med" len="med"/>
-                    </a:lnT>
-                    <a:lnB w="12700" cap="flat" cmpd="sng" algn="ctr">
-                      <a:solidFill>
-                        <a:schemeClr val="tx1"/>
-                      </a:solidFill>
-                      <a:prstDash val="solid"/>
-                      <a:round/>
-                      <a:headEnd type="none" w="med" len="med"/>
-                      <a:tailEnd type="none" w="med" len="med"/>
-                    </a:lnB>
-                    <a:noFill/>
-                  </a:tcPr>
-                </a:tc>
-                <a:extLst>
-                  <a:ext uri="{0D108BD9-81ED-4DB2-BD59-A6C34878D82A}">
-                    <a16:rowId xmlns:a16="http://schemas.microsoft.com/office/drawing/2014/main" val="1653068632"/>
-                  </a:ext>
-                </a:extLst>
-              </a:tr>
-              <a:tr h="732367">
-                <a:tc>
-                  <a:txBody>
-                    <a:bodyPr/>
-                    <a:lstStyle/>
-                    <a:p>
-                      <a:pPr marL="0" algn="l" defTabSz="914400" rtl="0" eaLnBrk="1" latinLnBrk="0" hangingPunct="1"/>
-                      <a:endParaRPr lang="pt-BR" sz="1800" b="1" kern="1200" dirty="0">
-                        <a:solidFill>
-                          <a:schemeClr val="lt1"/>
-                        </a:solidFill>
-                        <a:latin typeface="+mn-lt"/>
-                        <a:ea typeface="+mn-ea"/>
-                        <a:cs typeface="+mn-cs"/>
-                      </a:endParaRPr>
-                    </a:p>
-                  </a:txBody>
-                  <a:tcPr>
-                    <a:lnL w="12700" cap="flat" cmpd="sng" algn="ctr">
-                      <a:noFill/>
-                      <a:prstDash val="solid"/>
-                      <a:round/>
-                      <a:headEnd type="none" w="med" len="med"/>
-                      <a:tailEnd type="none" w="med" len="med"/>
-                    </a:lnL>
-                    <a:lnR w="12700" cap="flat" cmpd="sng" algn="ctr">
-                      <a:solidFill>
-                        <a:schemeClr val="tx1"/>
-                      </a:solidFill>
-                      <a:prstDash val="solid"/>
-                      <a:round/>
-                      <a:headEnd type="none" w="med" len="med"/>
-                      <a:tailEnd type="none" w="med" len="med"/>
-                    </a:lnR>
-                    <a:lnT w="12700" cap="flat" cmpd="sng" algn="ctr">
-                      <a:noFill/>
-                      <a:prstDash val="solid"/>
-                      <a:round/>
-                      <a:headEnd type="none" w="med" len="med"/>
-                      <a:tailEnd type="none" w="med" len="med"/>
-                    </a:lnT>
-                    <a:lnB w="12700" cap="flat" cmpd="sng" algn="ctr">
-                      <a:noFill/>
-                      <a:prstDash val="solid"/>
-                      <a:round/>
-                      <a:headEnd type="none" w="med" len="med"/>
-                      <a:tailEnd type="none" w="med" len="med"/>
-                    </a:lnB>
-                    <a:noFill/>
-                  </a:tcPr>
-                </a:tc>
-                <a:tc>
-                  <a:txBody>
-                    <a:bodyPr/>
-                    <a:lstStyle/>
-                    <a:p>
-                      <a:pPr marL="0" algn="l" defTabSz="914400" rtl="0" eaLnBrk="1" latinLnBrk="0" hangingPunct="1"/>
-                      <a:r>
-                        <a:rPr lang="pt-BR" b="1" dirty="0" err="1"/>
-                        <a:t>Value</a:t>
-                      </a:r>
-                      <a:r>
-                        <a:rPr lang="pt-BR" b="1" dirty="0"/>
-                        <a:t>: </a:t>
-                      </a:r>
-                      <a:r>
-                        <a:rPr lang="pt-BR" b="0" dirty="0" err="1"/>
-                        <a:t>Value</a:t>
-                      </a:r>
-                      <a:r>
-                        <a:rPr lang="pt-BR" b="0" dirty="0"/>
-                        <a:t> </a:t>
-                      </a:r>
-                      <a:r>
-                        <a:rPr lang="pt-BR" b="0" dirty="0" err="1"/>
-                        <a:t>aggregation</a:t>
-                      </a:r>
-                      <a:r>
-                        <a:rPr lang="pt-BR" b="0" dirty="0"/>
-                        <a:t> </a:t>
-                      </a:r>
-                      <a:r>
-                        <a:rPr lang="pt-BR" b="0" dirty="0" err="1"/>
-                        <a:t>mindset</a:t>
-                      </a:r>
-                      <a:endParaRPr lang="pt-BR" sz="1800" b="0" kern="1200" dirty="0">
-                        <a:solidFill>
-                          <a:schemeClr val="tx1"/>
-                        </a:solidFill>
-                        <a:latin typeface="+mn-lt"/>
-                        <a:ea typeface="+mn-ea"/>
-                        <a:cs typeface="+mn-cs"/>
-                      </a:endParaRPr>
-                    </a:p>
-                  </a:txBody>
-                  <a:tcPr anchor="ctr">
-                    <a:lnL w="12700" cap="flat" cmpd="sng" algn="ctr">
-                      <a:solidFill>
-                        <a:schemeClr val="tx1"/>
-                      </a:solidFill>
-                      <a:prstDash val="solid"/>
-                      <a:round/>
-                      <a:headEnd type="none" w="med" len="med"/>
-                      <a:tailEnd type="none" w="med" len="med"/>
-                    </a:lnL>
-                    <a:lnR w="12700" cap="flat" cmpd="sng" algn="ctr">
-                      <a:solidFill>
-                        <a:schemeClr val="tx1"/>
-                      </a:solidFill>
-                      <a:prstDash val="solid"/>
-                      <a:round/>
-                      <a:headEnd type="none" w="med" len="med"/>
-                      <a:tailEnd type="none" w="med" len="med"/>
-                    </a:lnR>
-                    <a:lnT w="12700" cap="flat" cmpd="sng" algn="ctr">
-                      <a:solidFill>
-                        <a:schemeClr val="tx1"/>
-                      </a:solidFill>
-                      <a:prstDash val="solid"/>
-                      <a:round/>
-                      <a:headEnd type="none" w="med" len="med"/>
-                      <a:tailEnd type="none" w="med" len="med"/>
-                    </a:lnT>
-                    <a:lnB w="12700" cap="flat" cmpd="sng" algn="ctr">
-                      <a:solidFill>
-                        <a:schemeClr val="tx1"/>
-                      </a:solidFill>
-                      <a:prstDash val="solid"/>
-                      <a:round/>
-                      <a:headEnd type="none" w="med" len="med"/>
-                      <a:tailEnd type="none" w="med" len="med"/>
-                    </a:lnB>
-                    <a:noFill/>
-                  </a:tcPr>
-                </a:tc>
-                <a:extLst>
-                  <a:ext uri="{0D108BD9-81ED-4DB2-BD59-A6C34878D82A}">
-                    <a16:rowId xmlns:a16="http://schemas.microsoft.com/office/drawing/2014/main" val="311707270"/>
-                  </a:ext>
-                </a:extLst>
-              </a:tr>
-              <a:tr h="749300">
-                <a:tc>
-                  <a:txBody>
-                    <a:bodyPr/>
-                    <a:lstStyle/>
-                    <a:p>
-                      <a:pPr marL="0" algn="l" defTabSz="914400" rtl="0" eaLnBrk="1" latinLnBrk="0" hangingPunct="1"/>
-                      <a:endParaRPr lang="pt-BR" sz="1800" b="1" kern="1200" dirty="0">
-                        <a:solidFill>
-                          <a:schemeClr val="lt1"/>
-                        </a:solidFill>
-                        <a:latin typeface="+mn-lt"/>
-                        <a:ea typeface="+mn-ea"/>
-                        <a:cs typeface="+mn-cs"/>
-                      </a:endParaRPr>
-                    </a:p>
-                  </a:txBody>
-                  <a:tcPr>
-                    <a:lnL w="12700" cap="flat" cmpd="sng" algn="ctr">
-                      <a:noFill/>
-                      <a:prstDash val="solid"/>
-                      <a:round/>
-                      <a:headEnd type="none" w="med" len="med"/>
-                      <a:tailEnd type="none" w="med" len="med"/>
-                    </a:lnL>
-                    <a:lnR w="12700" cap="flat" cmpd="sng" algn="ctr">
-                      <a:solidFill>
-                        <a:schemeClr val="tx1"/>
-                      </a:solidFill>
-                      <a:prstDash val="solid"/>
-                      <a:round/>
-                      <a:headEnd type="none" w="med" len="med"/>
-                      <a:tailEnd type="none" w="med" len="med"/>
-                    </a:lnR>
-                    <a:lnT w="12700" cap="flat" cmpd="sng" algn="ctr">
-                      <a:noFill/>
-                      <a:prstDash val="solid"/>
-                      <a:round/>
-                      <a:headEnd type="none" w="med" len="med"/>
-                      <a:tailEnd type="none" w="med" len="med"/>
-                    </a:lnT>
-                    <a:lnB w="12700" cap="flat" cmpd="sng" algn="ctr">
-                      <a:noFill/>
-                      <a:prstDash val="solid"/>
-                      <a:round/>
-                      <a:headEnd type="none" w="med" len="med"/>
-                      <a:tailEnd type="none" w="med" len="med"/>
-                    </a:lnB>
-                    <a:noFill/>
-                  </a:tcPr>
-                </a:tc>
-                <a:tc>
-                  <a:txBody>
-                    <a:bodyPr/>
-                    <a:lstStyle/>
-                    <a:p>
-                      <a:pPr marL="0" algn="l" defTabSz="914400" rtl="0" eaLnBrk="1" latinLnBrk="0" hangingPunct="1"/>
-                      <a:r>
-                        <a:rPr lang="pt-BR" b="1" dirty="0" err="1"/>
-                        <a:t>Estimate</a:t>
-                      </a:r>
-                      <a:r>
-                        <a:rPr lang="pt-BR" b="1" dirty="0"/>
-                        <a:t>: </a:t>
-                      </a:r>
-                      <a:r>
-                        <a:rPr lang="pt-BR" b="0" dirty="0" err="1"/>
-                        <a:t>Permit</a:t>
-                      </a:r>
-                      <a:r>
-                        <a:rPr lang="pt-BR" b="0" dirty="0"/>
-                        <a:t> </a:t>
-                      </a:r>
-                      <a:r>
-                        <a:rPr lang="pt-BR" b="0" dirty="0" err="1"/>
-                        <a:t>to</a:t>
-                      </a:r>
-                      <a:r>
-                        <a:rPr lang="pt-BR" b="0" dirty="0"/>
-                        <a:t> </a:t>
-                      </a:r>
-                      <a:r>
-                        <a:rPr lang="pt-BR" b="0" dirty="0" err="1"/>
-                        <a:t>estimate</a:t>
-                      </a:r>
-                      <a:r>
-                        <a:rPr lang="pt-BR" b="0" dirty="0"/>
-                        <a:t> </a:t>
-                      </a:r>
-                      <a:r>
-                        <a:rPr lang="pt-BR" b="0" dirty="0" err="1"/>
-                        <a:t>the</a:t>
-                      </a:r>
-                      <a:r>
-                        <a:rPr lang="pt-BR" b="0" dirty="0"/>
-                        <a:t> </a:t>
-                      </a:r>
-                      <a:r>
-                        <a:rPr lang="pt-BR" b="0" dirty="0" err="1"/>
-                        <a:t>size</a:t>
-                      </a:r>
-                      <a:endParaRPr lang="pt-BR" sz="1800" b="0" kern="1200" dirty="0">
-                        <a:solidFill>
-                          <a:schemeClr val="tx1"/>
-                        </a:solidFill>
-                        <a:latin typeface="+mn-lt"/>
-                        <a:ea typeface="+mn-ea"/>
-                        <a:cs typeface="+mn-cs"/>
-                      </a:endParaRPr>
-                    </a:p>
-                  </a:txBody>
-                  <a:tcPr anchor="ctr">
-                    <a:lnL w="12700" cap="flat" cmpd="sng" algn="ctr">
-                      <a:solidFill>
-                        <a:schemeClr val="tx1"/>
-                      </a:solidFill>
-                      <a:prstDash val="solid"/>
-                      <a:round/>
-                      <a:headEnd type="none" w="med" len="med"/>
-                      <a:tailEnd type="none" w="med" len="med"/>
-                    </a:lnL>
-                    <a:lnR w="12700" cap="flat" cmpd="sng" algn="ctr">
-                      <a:solidFill>
-                        <a:schemeClr val="tx1"/>
-                      </a:solidFill>
-                      <a:prstDash val="solid"/>
-                      <a:round/>
-                      <a:headEnd type="none" w="med" len="med"/>
-                      <a:tailEnd type="none" w="med" len="med"/>
-                    </a:lnR>
-                    <a:lnT w="12700" cap="flat" cmpd="sng" algn="ctr">
-                      <a:solidFill>
-                        <a:schemeClr val="tx1"/>
-                      </a:solidFill>
-                      <a:prstDash val="solid"/>
-                      <a:round/>
-                      <a:headEnd type="none" w="med" len="med"/>
-                      <a:tailEnd type="none" w="med" len="med"/>
-                    </a:lnT>
-                    <a:lnB w="12700" cap="flat" cmpd="sng" algn="ctr">
-                      <a:solidFill>
-                        <a:schemeClr val="tx1"/>
-                      </a:solidFill>
-                      <a:prstDash val="solid"/>
-                      <a:round/>
-                      <a:headEnd type="none" w="med" len="med"/>
-                      <a:tailEnd type="none" w="med" len="med"/>
-                    </a:lnB>
-                    <a:noFill/>
-                  </a:tcPr>
-                </a:tc>
-                <a:extLst>
-                  <a:ext uri="{0D108BD9-81ED-4DB2-BD59-A6C34878D82A}">
-                    <a16:rowId xmlns:a16="http://schemas.microsoft.com/office/drawing/2014/main" val="564056680"/>
-                  </a:ext>
-                </a:extLst>
-              </a:tr>
-              <a:tr h="702733">
-                <a:tc>
-                  <a:txBody>
-                    <a:bodyPr/>
-                    <a:lstStyle/>
-                    <a:p>
-                      <a:pPr marL="0" algn="l" defTabSz="914400" rtl="0" eaLnBrk="1" latinLnBrk="0" hangingPunct="1"/>
-                      <a:endParaRPr lang="pt-BR" sz="1800" b="1" kern="1200" dirty="0">
-                        <a:solidFill>
-                          <a:schemeClr val="lt1"/>
-                        </a:solidFill>
-                        <a:latin typeface="+mn-lt"/>
-                        <a:ea typeface="+mn-ea"/>
-                        <a:cs typeface="+mn-cs"/>
-                      </a:endParaRPr>
-                    </a:p>
-                  </a:txBody>
-                  <a:tcPr>
-                    <a:lnL w="12700" cap="flat" cmpd="sng" algn="ctr">
-                      <a:noFill/>
-                      <a:prstDash val="solid"/>
-                      <a:round/>
-                      <a:headEnd type="none" w="med" len="med"/>
-                      <a:tailEnd type="none" w="med" len="med"/>
-                    </a:lnL>
-                    <a:lnR w="12700" cap="flat" cmpd="sng" algn="ctr">
-                      <a:solidFill>
-                        <a:schemeClr val="tx1"/>
-                      </a:solidFill>
-                      <a:prstDash val="solid"/>
-                      <a:round/>
-                      <a:headEnd type="none" w="med" len="med"/>
-                      <a:tailEnd type="none" w="med" len="med"/>
-                    </a:lnR>
-                    <a:lnT w="12700" cap="flat" cmpd="sng" algn="ctr">
-                      <a:noFill/>
-                      <a:prstDash val="solid"/>
-                      <a:round/>
-                      <a:headEnd type="none" w="med" len="med"/>
-                      <a:tailEnd type="none" w="med" len="med"/>
-                    </a:lnT>
-                    <a:lnB w="12700" cap="flat" cmpd="sng" algn="ctr">
-                      <a:noFill/>
-                      <a:prstDash val="solid"/>
-                      <a:round/>
-                      <a:headEnd type="none" w="med" len="med"/>
-                      <a:tailEnd type="none" w="med" len="med"/>
-                    </a:lnB>
-                    <a:noFill/>
-                  </a:tcPr>
-                </a:tc>
-                <a:tc>
-                  <a:txBody>
-                    <a:bodyPr/>
-                    <a:lstStyle/>
-                    <a:p>
-                      <a:pPr marL="0" algn="l" defTabSz="914400" rtl="0" eaLnBrk="1" latinLnBrk="0" hangingPunct="1"/>
-                      <a:r>
-                        <a:rPr lang="pt-BR" sz="1800" b="1" kern="1200" dirty="0" err="1">
-                          <a:solidFill>
-                            <a:schemeClr val="dk1"/>
-                          </a:solidFill>
-                          <a:latin typeface="+mn-lt"/>
-                          <a:ea typeface="+mn-ea"/>
-                          <a:cs typeface="+mn-cs"/>
-                        </a:rPr>
-                        <a:t>Succinct</a:t>
-                      </a:r>
-                      <a:r>
-                        <a:rPr lang="pt-BR" sz="1800" b="1" kern="1200" dirty="0">
-                          <a:solidFill>
-                            <a:schemeClr val="dk1"/>
-                          </a:solidFill>
-                          <a:latin typeface="+mn-lt"/>
-                          <a:ea typeface="+mn-ea"/>
-                          <a:cs typeface="+mn-cs"/>
-                        </a:rPr>
-                        <a:t>: </a:t>
-                      </a:r>
-                      <a:r>
-                        <a:rPr lang="en-US" sz="1800" b="0" kern="1200" dirty="0">
-                          <a:solidFill>
-                            <a:schemeClr val="dk1"/>
-                          </a:solidFill>
-                          <a:latin typeface="+mn-lt"/>
-                          <a:ea typeface="+mn-ea"/>
-                          <a:cs typeface="+mn-cs"/>
-                        </a:rPr>
-                        <a:t>To be succinct to facilitate the understanding</a:t>
-                      </a:r>
-                      <a:endParaRPr lang="pt-BR" sz="1800" b="0" kern="1200" dirty="0">
-                        <a:solidFill>
-                          <a:schemeClr val="dk1"/>
-                        </a:solidFill>
-                        <a:latin typeface="+mn-lt"/>
-                        <a:ea typeface="+mn-ea"/>
-                        <a:cs typeface="+mn-cs"/>
-                      </a:endParaRPr>
-                    </a:p>
-                  </a:txBody>
-                  <a:tcPr anchor="ctr">
-                    <a:lnL w="12700" cap="flat" cmpd="sng" algn="ctr">
-                      <a:solidFill>
-                        <a:schemeClr val="tx1"/>
-                      </a:solidFill>
-                      <a:prstDash val="solid"/>
-                      <a:round/>
-                      <a:headEnd type="none" w="med" len="med"/>
-                      <a:tailEnd type="none" w="med" len="med"/>
-                    </a:lnL>
-                    <a:lnR w="12700" cap="flat" cmpd="sng" algn="ctr">
-                      <a:solidFill>
-                        <a:schemeClr val="tx1"/>
-                      </a:solidFill>
-                      <a:prstDash val="solid"/>
-                      <a:round/>
-                      <a:headEnd type="none" w="med" len="med"/>
-                      <a:tailEnd type="none" w="med" len="med"/>
-                    </a:lnR>
-                    <a:lnT w="12700" cap="flat" cmpd="sng" algn="ctr">
-                      <a:solidFill>
-                        <a:schemeClr val="tx1"/>
-                      </a:solidFill>
-                      <a:prstDash val="solid"/>
-                      <a:round/>
-                      <a:headEnd type="none" w="med" len="med"/>
-                      <a:tailEnd type="none" w="med" len="med"/>
-                    </a:lnT>
-                    <a:lnB w="12700" cap="flat" cmpd="sng" algn="ctr">
-                      <a:solidFill>
-                        <a:schemeClr val="tx1"/>
-                      </a:solidFill>
-                      <a:prstDash val="solid"/>
-                      <a:round/>
-                      <a:headEnd type="none" w="med" len="med"/>
-                      <a:tailEnd type="none" w="med" len="med"/>
-                    </a:lnB>
-                    <a:noFill/>
-                  </a:tcPr>
-                </a:tc>
-                <a:extLst>
-                  <a:ext uri="{0D108BD9-81ED-4DB2-BD59-A6C34878D82A}">
-                    <a16:rowId xmlns:a16="http://schemas.microsoft.com/office/drawing/2014/main" val="4023406479"/>
-                  </a:ext>
-                </a:extLst>
-              </a:tr>
-              <a:tr h="723900">
-                <a:tc>
-                  <a:txBody>
-                    <a:bodyPr/>
-                    <a:lstStyle/>
-                    <a:p>
-                      <a:pPr marL="0" algn="l" defTabSz="914400" rtl="0" eaLnBrk="1" latinLnBrk="0" hangingPunct="1"/>
-                      <a:endParaRPr lang="pt-BR" sz="1800" b="1" kern="1200" dirty="0">
-                        <a:solidFill>
-                          <a:schemeClr val="lt1"/>
-                        </a:solidFill>
-                        <a:latin typeface="+mn-lt"/>
-                        <a:ea typeface="+mn-ea"/>
-                        <a:cs typeface="+mn-cs"/>
-                      </a:endParaRPr>
-                    </a:p>
-                  </a:txBody>
-                  <a:tcPr>
-                    <a:lnL w="12700" cap="flat" cmpd="sng" algn="ctr">
-                      <a:noFill/>
-                      <a:prstDash val="solid"/>
-                      <a:round/>
-                      <a:headEnd type="none" w="med" len="med"/>
-                      <a:tailEnd type="none" w="med" len="med"/>
-                    </a:lnL>
-                    <a:lnR w="12700" cap="flat" cmpd="sng" algn="ctr">
-                      <a:solidFill>
-                        <a:schemeClr val="tx1"/>
-                      </a:solidFill>
-                      <a:prstDash val="solid"/>
-                      <a:round/>
-                      <a:headEnd type="none" w="med" len="med"/>
-                      <a:tailEnd type="none" w="med" len="med"/>
-                    </a:lnR>
-                    <a:lnT w="12700" cap="flat" cmpd="sng" algn="ctr">
-                      <a:noFill/>
-                      <a:prstDash val="solid"/>
-                      <a:round/>
-                      <a:headEnd type="none" w="med" len="med"/>
-                      <a:tailEnd type="none" w="med" len="med"/>
-                    </a:lnT>
-                    <a:lnB w="12700" cap="flat" cmpd="sng" algn="ctr">
-                      <a:noFill/>
-                      <a:prstDash val="solid"/>
-                      <a:round/>
-                      <a:headEnd type="none" w="med" len="med"/>
-                      <a:tailEnd type="none" w="med" len="med"/>
-                    </a:lnB>
-                    <a:noFill/>
-                  </a:tcPr>
-                </a:tc>
-                <a:tc>
-                  <a:txBody>
-                    <a:bodyPr/>
-                    <a:lstStyle/>
-                    <a:p>
-                      <a:pPr marL="0" algn="l" defTabSz="914400" rtl="0" eaLnBrk="1" latinLnBrk="0" hangingPunct="1"/>
-                      <a:r>
-                        <a:rPr lang="pt-BR" sz="1800" b="1" kern="1200" dirty="0" err="1">
-                          <a:solidFill>
-                            <a:schemeClr val="dk1"/>
-                          </a:solidFill>
-                          <a:latin typeface="+mn-lt"/>
-                          <a:ea typeface="+mn-ea"/>
-                          <a:cs typeface="+mn-cs"/>
-                        </a:rPr>
-                        <a:t>Testable</a:t>
-                      </a:r>
-                      <a:r>
-                        <a:rPr lang="pt-BR" sz="1800" b="1" kern="1200" dirty="0">
-                          <a:solidFill>
-                            <a:schemeClr val="dk1"/>
-                          </a:solidFill>
-                          <a:latin typeface="+mn-lt"/>
-                          <a:ea typeface="+mn-ea"/>
-                          <a:cs typeface="+mn-cs"/>
-                        </a:rPr>
-                        <a:t>: </a:t>
-                      </a:r>
-                      <a:r>
-                        <a:rPr lang="pt-BR" sz="1800" b="0" kern="1200" dirty="0" err="1">
-                          <a:solidFill>
-                            <a:schemeClr val="dk1"/>
-                          </a:solidFill>
-                          <a:latin typeface="+mn-lt"/>
-                          <a:ea typeface="+mn-ea"/>
-                          <a:cs typeface="+mn-cs"/>
-                        </a:rPr>
-                        <a:t>To</a:t>
-                      </a:r>
-                      <a:r>
-                        <a:rPr lang="pt-BR" sz="1800" b="0" kern="1200" dirty="0">
-                          <a:solidFill>
-                            <a:schemeClr val="dk1"/>
-                          </a:solidFill>
-                          <a:latin typeface="+mn-lt"/>
-                          <a:ea typeface="+mn-ea"/>
-                          <a:cs typeface="+mn-cs"/>
-                        </a:rPr>
-                        <a:t> </a:t>
-                      </a:r>
-                      <a:r>
-                        <a:rPr lang="pt-BR" sz="1800" b="0" kern="1200" dirty="0" err="1">
-                          <a:solidFill>
-                            <a:schemeClr val="dk1"/>
-                          </a:solidFill>
-                          <a:latin typeface="+mn-lt"/>
-                          <a:ea typeface="+mn-ea"/>
-                          <a:cs typeface="+mn-cs"/>
-                        </a:rPr>
-                        <a:t>be</a:t>
-                      </a:r>
-                      <a:r>
-                        <a:rPr lang="pt-BR" sz="1800" b="0" kern="1200" dirty="0">
-                          <a:solidFill>
-                            <a:schemeClr val="dk1"/>
-                          </a:solidFill>
-                          <a:latin typeface="+mn-lt"/>
-                          <a:ea typeface="+mn-ea"/>
-                          <a:cs typeface="+mn-cs"/>
-                        </a:rPr>
-                        <a:t> </a:t>
-                      </a:r>
-                      <a:r>
-                        <a:rPr lang="pt-BR" sz="1800" b="0" kern="1200" dirty="0" err="1">
-                          <a:solidFill>
-                            <a:schemeClr val="dk1"/>
-                          </a:solidFill>
-                          <a:latin typeface="+mn-lt"/>
-                          <a:ea typeface="+mn-ea"/>
-                          <a:cs typeface="+mn-cs"/>
-                        </a:rPr>
-                        <a:t>testable</a:t>
-                      </a:r>
-                      <a:r>
-                        <a:rPr lang="pt-BR" sz="1800" b="0" kern="1200" dirty="0">
-                          <a:solidFill>
-                            <a:schemeClr val="dk1"/>
-                          </a:solidFill>
-                          <a:latin typeface="+mn-lt"/>
-                          <a:ea typeface="+mn-ea"/>
-                          <a:cs typeface="+mn-cs"/>
-                        </a:rPr>
-                        <a:t> </a:t>
-                      </a:r>
-                      <a:r>
-                        <a:rPr lang="pt-BR" sz="1800" b="0" kern="1200" dirty="0" err="1">
-                          <a:solidFill>
-                            <a:schemeClr val="dk1"/>
-                          </a:solidFill>
-                          <a:latin typeface="+mn-lt"/>
-                          <a:ea typeface="+mn-ea"/>
-                          <a:cs typeface="+mn-cs"/>
-                        </a:rPr>
-                        <a:t>and</a:t>
-                      </a:r>
-                      <a:r>
-                        <a:rPr lang="pt-BR" sz="1800" b="0" kern="1200" dirty="0">
-                          <a:solidFill>
-                            <a:schemeClr val="dk1"/>
-                          </a:solidFill>
-                          <a:latin typeface="+mn-lt"/>
-                          <a:ea typeface="+mn-ea"/>
-                          <a:cs typeface="+mn-cs"/>
-                        </a:rPr>
-                        <a:t> </a:t>
-                      </a:r>
-                      <a:r>
-                        <a:rPr lang="pt-BR" sz="1800" b="0" kern="1200" dirty="0" err="1">
-                          <a:solidFill>
-                            <a:schemeClr val="dk1"/>
-                          </a:solidFill>
-                          <a:latin typeface="+mn-lt"/>
-                          <a:ea typeface="+mn-ea"/>
-                          <a:cs typeface="+mn-cs"/>
-                        </a:rPr>
-                        <a:t>permits</a:t>
-                      </a:r>
-                      <a:r>
-                        <a:rPr lang="pt-BR" sz="1800" b="0" kern="1200" dirty="0">
-                          <a:solidFill>
-                            <a:schemeClr val="dk1"/>
-                          </a:solidFill>
-                          <a:latin typeface="+mn-lt"/>
-                          <a:ea typeface="+mn-ea"/>
-                          <a:cs typeface="+mn-cs"/>
-                        </a:rPr>
-                        <a:t> </a:t>
-                      </a:r>
-                      <a:r>
-                        <a:rPr lang="pt-BR" sz="1800" b="0" kern="1200" dirty="0" err="1">
-                          <a:solidFill>
-                            <a:schemeClr val="dk1"/>
-                          </a:solidFill>
-                          <a:latin typeface="+mn-lt"/>
-                          <a:ea typeface="+mn-ea"/>
-                          <a:cs typeface="+mn-cs"/>
-                        </a:rPr>
-                        <a:t>objective</a:t>
-                      </a:r>
-                      <a:r>
-                        <a:rPr lang="pt-BR" sz="1800" b="0" kern="1200" dirty="0">
-                          <a:solidFill>
-                            <a:schemeClr val="dk1"/>
-                          </a:solidFill>
-                          <a:latin typeface="+mn-lt"/>
-                          <a:ea typeface="+mn-ea"/>
-                          <a:cs typeface="+mn-cs"/>
-                        </a:rPr>
-                        <a:t> </a:t>
-                      </a:r>
-                      <a:r>
-                        <a:rPr lang="pt-BR" sz="1800" b="0" kern="1200" dirty="0" err="1">
-                          <a:solidFill>
-                            <a:schemeClr val="dk1"/>
-                          </a:solidFill>
-                          <a:latin typeface="+mn-lt"/>
-                          <a:ea typeface="+mn-ea"/>
-                          <a:cs typeface="+mn-cs"/>
-                        </a:rPr>
-                        <a:t>acceptance</a:t>
-                      </a:r>
-                      <a:r>
-                        <a:rPr lang="pt-BR" sz="1800" b="0" kern="1200" dirty="0">
-                          <a:solidFill>
-                            <a:schemeClr val="dk1"/>
-                          </a:solidFill>
-                          <a:latin typeface="+mn-lt"/>
-                          <a:ea typeface="+mn-ea"/>
-                          <a:cs typeface="+mn-cs"/>
-                        </a:rPr>
-                        <a:t> </a:t>
-                      </a:r>
-                      <a:r>
-                        <a:rPr lang="pt-BR" sz="1800" b="0" kern="1200" dirty="0" err="1">
-                          <a:solidFill>
-                            <a:schemeClr val="dk1"/>
-                          </a:solidFill>
-                          <a:latin typeface="+mn-lt"/>
-                          <a:ea typeface="+mn-ea"/>
-                          <a:cs typeface="+mn-cs"/>
-                        </a:rPr>
-                        <a:t>criteria</a:t>
-                      </a:r>
-                      <a:endParaRPr lang="pt-BR" sz="1800" b="0" kern="1200" dirty="0">
-                        <a:solidFill>
-                          <a:schemeClr val="dk1"/>
-                        </a:solidFill>
-                        <a:latin typeface="+mn-lt"/>
-                        <a:ea typeface="+mn-ea"/>
-                        <a:cs typeface="+mn-cs"/>
-                      </a:endParaRPr>
-                    </a:p>
-                  </a:txBody>
-                  <a:tcPr anchor="ctr">
-                    <a:lnL w="12700" cap="flat" cmpd="sng" algn="ctr">
-                      <a:solidFill>
-                        <a:schemeClr val="tx1"/>
-                      </a:solidFill>
-                      <a:prstDash val="solid"/>
-                      <a:round/>
-                      <a:headEnd type="none" w="med" len="med"/>
-                      <a:tailEnd type="none" w="med" len="med"/>
-                    </a:lnL>
-                    <a:lnR w="12700" cap="flat" cmpd="sng" algn="ctr">
-                      <a:solidFill>
-                        <a:schemeClr val="tx1"/>
-                      </a:solidFill>
-                      <a:prstDash val="solid"/>
-                      <a:round/>
-                      <a:headEnd type="none" w="med" len="med"/>
-                      <a:tailEnd type="none" w="med" len="med"/>
-                    </a:lnR>
-                    <a:lnT w="12700" cap="flat" cmpd="sng" algn="ctr">
-                      <a:solidFill>
-                        <a:schemeClr val="tx1"/>
-                      </a:solidFill>
-                      <a:prstDash val="solid"/>
-                      <a:round/>
-                      <a:headEnd type="none" w="med" len="med"/>
-                      <a:tailEnd type="none" w="med" len="med"/>
-                    </a:lnT>
-                    <a:lnB w="12700" cap="flat" cmpd="sng" algn="ctr">
-                      <a:solidFill>
-                        <a:schemeClr val="tx1"/>
-                      </a:solidFill>
-                      <a:prstDash val="solid"/>
-                      <a:round/>
-                      <a:headEnd type="none" w="med" len="med"/>
-                      <a:tailEnd type="none" w="med" len="med"/>
-                    </a:lnB>
-                    <a:noFill/>
-                  </a:tcPr>
-                </a:tc>
-                <a:extLst>
-                  <a:ext uri="{0D108BD9-81ED-4DB2-BD59-A6C34878D82A}">
-                    <a16:rowId xmlns:a16="http://schemas.microsoft.com/office/drawing/2014/main" val="883466456"/>
-                  </a:ext>
-                </a:extLst>
-              </a:tr>
-            </a:tbl>
-          </a:graphicData>
-        </a:graphic>
-      </p:graphicFrame>
-      <p:sp>
-        <p:nvSpPr>
-          <p:cNvPr id="6" name="Fluxograma: Conector 5">
-            <a:extLst>
-              <a:ext uri="{FF2B5EF4-FFF2-40B4-BE49-F238E27FC236}">
-                <a16:creationId xmlns:a16="http://schemas.microsoft.com/office/drawing/2014/main" id="{BA093849-97C1-EE03-0B95-447314B428CD}"/>
-              </a:ext>
-            </a:extLst>
-          </p:cNvPr>
-          <p:cNvSpPr/>
-          <p:nvPr/>
-        </p:nvSpPr>
-        <p:spPr>
-          <a:xfrm>
-            <a:off x="679216" y="1152257"/>
-            <a:ext cx="612259" cy="612259"/>
-          </a:xfrm>
-          <a:prstGeom prst="flowChartConnector">
-            <a:avLst/>
-          </a:prstGeom>
-          <a:ln w="25400">
-            <a:solidFill>
-              <a:schemeClr val="tx1"/>
-            </a:solidFill>
-          </a:ln>
-        </p:spPr>
-        <p:style>
-          <a:lnRef idx="2">
-            <a:schemeClr val="accent1">
-              <a:shade val="15000"/>
-            </a:schemeClr>
-          </a:lnRef>
-          <a:fillRef idx="1">
-            <a:schemeClr val="accent1"/>
-          </a:fillRef>
-          <a:effectRef idx="0">
-            <a:schemeClr val="accent1"/>
-          </a:effectRef>
-          <a:fontRef idx="minor">
-            <a:schemeClr val="lt1"/>
-          </a:fontRef>
-        </p:style>
-        <p:txBody>
-          <a:bodyPr rtlCol="0" anchor="ctr"/>
-          <a:lstStyle/>
-          <a:p>
-            <a:pPr algn="ctr"/>
-            <a:r>
-              <a:rPr lang="pt-BR" sz="2400" dirty="0">
-                <a:latin typeface="Times New Roman" panose="02020603050405020304" pitchFamily="18" charset="0"/>
-                <a:cs typeface="Times New Roman" panose="02020603050405020304" pitchFamily="18" charset="0"/>
-              </a:rPr>
-              <a:t>I</a:t>
-            </a:r>
-          </a:p>
-        </p:txBody>
-      </p:sp>
-      <p:sp>
-        <p:nvSpPr>
-          <p:cNvPr id="8" name="Fluxograma: Conector 7">
-            <a:extLst>
-              <a:ext uri="{FF2B5EF4-FFF2-40B4-BE49-F238E27FC236}">
-                <a16:creationId xmlns:a16="http://schemas.microsoft.com/office/drawing/2014/main" id="{69E7E211-5890-16AC-8E1C-96D212E52B38}"/>
-              </a:ext>
-            </a:extLst>
-          </p:cNvPr>
-          <p:cNvSpPr/>
-          <p:nvPr/>
-        </p:nvSpPr>
-        <p:spPr>
-          <a:xfrm>
-            <a:off x="679215" y="1862668"/>
-            <a:ext cx="612259" cy="612259"/>
-          </a:xfrm>
-          <a:prstGeom prst="flowChartConnector">
-            <a:avLst/>
-          </a:prstGeom>
-          <a:ln w="25400">
-            <a:solidFill>
-              <a:schemeClr val="tx1"/>
-            </a:solidFill>
-          </a:ln>
-        </p:spPr>
-        <p:style>
-          <a:lnRef idx="2">
-            <a:schemeClr val="accent1">
-              <a:shade val="15000"/>
-            </a:schemeClr>
-          </a:lnRef>
-          <a:fillRef idx="1">
-            <a:schemeClr val="accent1"/>
-          </a:fillRef>
-          <a:effectRef idx="0">
-            <a:schemeClr val="accent1"/>
-          </a:effectRef>
-          <a:fontRef idx="minor">
-            <a:schemeClr val="lt1"/>
-          </a:fontRef>
-        </p:style>
-        <p:txBody>
-          <a:bodyPr rtlCol="0" anchor="ctr"/>
-          <a:lstStyle/>
-          <a:p>
-            <a:pPr algn="ctr"/>
-            <a:r>
-              <a:rPr lang="pt-BR" sz="2400" dirty="0">
-                <a:latin typeface="Times New Roman" panose="02020603050405020304" pitchFamily="18" charset="0"/>
-                <a:cs typeface="Times New Roman" panose="02020603050405020304" pitchFamily="18" charset="0"/>
-              </a:rPr>
-              <a:t>N</a:t>
-            </a:r>
-          </a:p>
-        </p:txBody>
-      </p:sp>
-      <p:sp>
-        <p:nvSpPr>
-          <p:cNvPr id="9" name="Fluxograma: Conector 8">
-            <a:extLst>
-              <a:ext uri="{FF2B5EF4-FFF2-40B4-BE49-F238E27FC236}">
-                <a16:creationId xmlns:a16="http://schemas.microsoft.com/office/drawing/2014/main" id="{C8D1F365-12CD-1D26-307D-2A519C6EDFB5}"/>
-              </a:ext>
-            </a:extLst>
-          </p:cNvPr>
-          <p:cNvSpPr/>
-          <p:nvPr/>
-        </p:nvSpPr>
-        <p:spPr>
-          <a:xfrm>
-            <a:off x="679215" y="2567516"/>
-            <a:ext cx="612259" cy="612259"/>
-          </a:xfrm>
-          <a:prstGeom prst="flowChartConnector">
-            <a:avLst/>
-          </a:prstGeom>
-          <a:ln w="25400">
-            <a:solidFill>
-              <a:schemeClr val="tx1"/>
-            </a:solidFill>
-          </a:ln>
-        </p:spPr>
-        <p:style>
-          <a:lnRef idx="2">
-            <a:schemeClr val="accent1">
-              <a:shade val="15000"/>
-            </a:schemeClr>
-          </a:lnRef>
-          <a:fillRef idx="1">
-            <a:schemeClr val="accent1"/>
-          </a:fillRef>
-          <a:effectRef idx="0">
-            <a:schemeClr val="accent1"/>
-          </a:effectRef>
-          <a:fontRef idx="minor">
-            <a:schemeClr val="lt1"/>
-          </a:fontRef>
-        </p:style>
-        <p:txBody>
-          <a:bodyPr rtlCol="0" anchor="ctr"/>
-          <a:lstStyle/>
-          <a:p>
-            <a:pPr algn="ctr"/>
-            <a:r>
-              <a:rPr lang="pt-BR" sz="2400" dirty="0">
-                <a:latin typeface="Times New Roman" panose="02020603050405020304" pitchFamily="18" charset="0"/>
-                <a:cs typeface="Times New Roman" panose="02020603050405020304" pitchFamily="18" charset="0"/>
-              </a:rPr>
-              <a:t>V</a:t>
-            </a:r>
-          </a:p>
-        </p:txBody>
-      </p:sp>
-      <p:sp>
-        <p:nvSpPr>
-          <p:cNvPr id="10" name="Fluxograma: Conector 9">
-            <a:extLst>
-              <a:ext uri="{FF2B5EF4-FFF2-40B4-BE49-F238E27FC236}">
-                <a16:creationId xmlns:a16="http://schemas.microsoft.com/office/drawing/2014/main" id="{7591CE80-EA63-92B0-EA42-9BAB15636ABC}"/>
-              </a:ext>
-            </a:extLst>
-          </p:cNvPr>
-          <p:cNvSpPr/>
-          <p:nvPr/>
-        </p:nvSpPr>
-        <p:spPr>
-          <a:xfrm>
-            <a:off x="679214" y="3301995"/>
-            <a:ext cx="612259" cy="612259"/>
-          </a:xfrm>
-          <a:prstGeom prst="flowChartConnector">
-            <a:avLst/>
-          </a:prstGeom>
-          <a:ln w="25400">
-            <a:solidFill>
-              <a:schemeClr val="tx1"/>
-            </a:solidFill>
-          </a:ln>
-        </p:spPr>
-        <p:style>
-          <a:lnRef idx="2">
-            <a:schemeClr val="accent1">
-              <a:shade val="15000"/>
-            </a:schemeClr>
-          </a:lnRef>
-          <a:fillRef idx="1">
-            <a:schemeClr val="accent1"/>
-          </a:fillRef>
-          <a:effectRef idx="0">
-            <a:schemeClr val="accent1"/>
-          </a:effectRef>
-          <a:fontRef idx="minor">
-            <a:schemeClr val="lt1"/>
-          </a:fontRef>
-        </p:style>
-        <p:txBody>
-          <a:bodyPr rtlCol="0" anchor="ctr"/>
-          <a:lstStyle/>
-          <a:p>
-            <a:pPr algn="ctr"/>
-            <a:r>
-              <a:rPr lang="pt-BR" sz="2400" dirty="0">
-                <a:latin typeface="Times New Roman" panose="02020603050405020304" pitchFamily="18" charset="0"/>
-                <a:cs typeface="Times New Roman" panose="02020603050405020304" pitchFamily="18" charset="0"/>
-              </a:rPr>
-              <a:t>E</a:t>
-            </a:r>
-          </a:p>
-        </p:txBody>
-      </p:sp>
-      <p:sp>
-        <p:nvSpPr>
-          <p:cNvPr id="11" name="Fluxograma: Conector 10">
-            <a:extLst>
-              <a:ext uri="{FF2B5EF4-FFF2-40B4-BE49-F238E27FC236}">
-                <a16:creationId xmlns:a16="http://schemas.microsoft.com/office/drawing/2014/main" id="{66D9963B-E752-97AB-CC1D-F65C9BDC4397}"/>
-              </a:ext>
-            </a:extLst>
-          </p:cNvPr>
-          <p:cNvSpPr/>
-          <p:nvPr/>
-        </p:nvSpPr>
-        <p:spPr>
-          <a:xfrm>
-            <a:off x="695358" y="4036474"/>
-            <a:ext cx="612259" cy="612259"/>
-          </a:xfrm>
-          <a:prstGeom prst="flowChartConnector">
-            <a:avLst/>
-          </a:prstGeom>
-          <a:ln w="25400">
-            <a:solidFill>
-              <a:schemeClr val="tx1"/>
-            </a:solidFill>
-          </a:ln>
-        </p:spPr>
-        <p:style>
-          <a:lnRef idx="2">
-            <a:schemeClr val="accent1">
-              <a:shade val="15000"/>
-            </a:schemeClr>
-          </a:lnRef>
-          <a:fillRef idx="1">
-            <a:schemeClr val="accent1"/>
-          </a:fillRef>
-          <a:effectRef idx="0">
-            <a:schemeClr val="accent1"/>
-          </a:effectRef>
-          <a:fontRef idx="minor">
-            <a:schemeClr val="lt1"/>
-          </a:fontRef>
-        </p:style>
-        <p:txBody>
-          <a:bodyPr rtlCol="0" anchor="ctr"/>
-          <a:lstStyle/>
-          <a:p>
-            <a:pPr algn="ctr"/>
-            <a:r>
-              <a:rPr lang="pt-BR" sz="2400" dirty="0">
-                <a:latin typeface="Times New Roman" panose="02020603050405020304" pitchFamily="18" charset="0"/>
-                <a:cs typeface="Times New Roman" panose="02020603050405020304" pitchFamily="18" charset="0"/>
-              </a:rPr>
-              <a:t>S</a:t>
-            </a:r>
-          </a:p>
-        </p:txBody>
-      </p:sp>
-      <p:sp>
-        <p:nvSpPr>
-          <p:cNvPr id="12" name="Fluxograma: Conector 11">
-            <a:extLst>
-              <a:ext uri="{FF2B5EF4-FFF2-40B4-BE49-F238E27FC236}">
-                <a16:creationId xmlns:a16="http://schemas.microsoft.com/office/drawing/2014/main" id="{5356C711-61B7-BC08-4DD4-F10C3F9F3B1F}"/>
-              </a:ext>
-            </a:extLst>
-          </p:cNvPr>
-          <p:cNvSpPr/>
-          <p:nvPr/>
-        </p:nvSpPr>
-        <p:spPr>
-          <a:xfrm>
-            <a:off x="679213" y="4741322"/>
-            <a:ext cx="612259" cy="612259"/>
-          </a:xfrm>
-          <a:prstGeom prst="flowChartConnector">
-            <a:avLst/>
-          </a:prstGeom>
-          <a:ln w="25400">
-            <a:solidFill>
-              <a:schemeClr val="tx1"/>
-            </a:solidFill>
-          </a:ln>
-        </p:spPr>
-        <p:style>
-          <a:lnRef idx="2">
-            <a:schemeClr val="accent1">
-              <a:shade val="15000"/>
-            </a:schemeClr>
-          </a:lnRef>
-          <a:fillRef idx="1">
-            <a:schemeClr val="accent1"/>
-          </a:fillRef>
-          <a:effectRef idx="0">
-            <a:schemeClr val="accent1"/>
-          </a:effectRef>
-          <a:fontRef idx="minor">
-            <a:schemeClr val="lt1"/>
-          </a:fontRef>
-        </p:style>
-        <p:txBody>
-          <a:bodyPr rtlCol="0" anchor="ctr"/>
-          <a:lstStyle/>
-          <a:p>
-            <a:pPr algn="ctr"/>
-            <a:r>
-              <a:rPr lang="pt-BR" sz="2400" dirty="0">
-                <a:latin typeface="Times New Roman" panose="02020603050405020304" pitchFamily="18" charset="0"/>
-                <a:cs typeface="Times New Roman" panose="02020603050405020304" pitchFamily="18" charset="0"/>
-              </a:rPr>
-              <a:t>T</a:t>
-            </a:r>
-          </a:p>
-        </p:txBody>
-      </p:sp>
     </p:spTree>
     <p:extLst>
       <p:ext uri="{BB962C8B-B14F-4D97-AF65-F5344CB8AC3E}">
@@ -9716,7 +9759,7 @@
 </p:sld>
 </file>
 
-<file path=ppt/slides/slide3.xml><?xml version="1.0" encoding="utf-8"?>
+<file path=ppt/slides/slide4.xml><?xml version="1.0" encoding="utf-8"?>
 <p:sld xmlns:a="http://schemas.openxmlformats.org/drawingml/2006/main" xmlns:r="http://schemas.openxmlformats.org/officeDocument/2006/relationships" xmlns:p="http://schemas.openxmlformats.org/presentationml/2006/main">
   <p:cSld>
     <p:spTree>
@@ -9735,10 +9778,10 @@
       </p:grpSpPr>
       <p:pic>
         <p:nvPicPr>
-          <p:cNvPr id="3" name="Imagem 2">
+          <p:cNvPr id="4" name="Imagem 3">
             <a:extLst>
               <a:ext uri="{FF2B5EF4-FFF2-40B4-BE49-F238E27FC236}">
-                <a16:creationId xmlns:a16="http://schemas.microsoft.com/office/drawing/2014/main" id="{4E144AD3-BC4F-C56D-4023-3E73924A0650}"/>
+                <a16:creationId xmlns:a16="http://schemas.microsoft.com/office/drawing/2014/main" id="{7E485131-C7C9-B4EF-8BC5-88F4E3DBDC1D}"/>
               </a:ext>
             </a:extLst>
           </p:cNvPr>
@@ -9755,8 +9798,8 @@
         </p:blipFill>
         <p:spPr>
           <a:xfrm>
-            <a:off x="2183737" y="1075175"/>
-            <a:ext cx="9633445" cy="4429353"/>
+            <a:off x="1189640" y="1075175"/>
+            <a:ext cx="698536" cy="4445228"/>
           </a:xfrm>
           <a:prstGeom prst="rect">
             <a:avLst/>
@@ -9765,10 +9808,10 @@
       </p:pic>
       <p:pic>
         <p:nvPicPr>
-          <p:cNvPr id="4" name="Imagem 3">
+          <p:cNvPr id="5" name="Imagem 4">
             <a:extLst>
               <a:ext uri="{FF2B5EF4-FFF2-40B4-BE49-F238E27FC236}">
-                <a16:creationId xmlns:a16="http://schemas.microsoft.com/office/drawing/2014/main" id="{7E485131-C7C9-B4EF-8BC5-88F4E3DBDC1D}"/>
+                <a16:creationId xmlns:a16="http://schemas.microsoft.com/office/drawing/2014/main" id="{1EBE6022-AF59-F979-69DA-CA56EA8D10B5}"/>
               </a:ext>
             </a:extLst>
           </p:cNvPr>
@@ -9785,8 +9828,8 @@
         </p:blipFill>
         <p:spPr>
           <a:xfrm>
-            <a:off x="1189640" y="1075175"/>
-            <a:ext cx="698536" cy="4445228"/>
+            <a:off x="1978896" y="1075175"/>
+            <a:ext cx="9722350" cy="4448404"/>
           </a:xfrm>
           <a:prstGeom prst="rect">
             <a:avLst/>
@@ -9806,7 +9849,7 @@
 </p:sld>
 </file>
 
-<file path=ppt/slides/slide4.xml><?xml version="1.0" encoding="utf-8"?>
+<file path=ppt/slides/slide5.xml><?xml version="1.0" encoding="utf-8"?>
 <p:sld xmlns:a="http://schemas.openxmlformats.org/drawingml/2006/main" xmlns:r="http://schemas.openxmlformats.org/officeDocument/2006/relationships" xmlns:p="http://schemas.openxmlformats.org/presentationml/2006/main">
   <p:cSld>
     <p:spTree>
@@ -10741,7 +10784,7 @@
 </p:sld>
 </file>
 
-<file path=ppt/slides/slide5.xml><?xml version="1.0" encoding="utf-8"?>
+<file path=ppt/slides/slide6.xml><?xml version="1.0" encoding="utf-8"?>
 <p:sld xmlns:a="http://schemas.openxmlformats.org/drawingml/2006/main" xmlns:r="http://schemas.openxmlformats.org/officeDocument/2006/relationships" xmlns:p="http://schemas.openxmlformats.org/presentationml/2006/main">
   <p:cSld>
     <p:spTree>
@@ -10801,7 +10844,7 @@
 </p:sld>
 </file>
 
-<file path=ppt/slides/slide6.xml><?xml version="1.0" encoding="utf-8"?>
+<file path=ppt/slides/slide7.xml><?xml version="1.0" encoding="utf-8"?>
 <p:sld xmlns:a="http://schemas.openxmlformats.org/drawingml/2006/main" xmlns:r="http://schemas.openxmlformats.org/officeDocument/2006/relationships" xmlns:p="http://schemas.openxmlformats.org/presentationml/2006/main">
   <p:cSld>
     <p:spTree>
